--- a/Article Writing and Latex Files/Example Instance/Exemplo_Gantt (1).pptx
+++ b/Article Writing and Latex Files/Example Instance/Exemplo_Gantt (1).pptx
@@ -109,6 +109,11 @@
       </a:defRPr>
     </a:lvl9pPr>
   </p:defaultTextStyle>
+  <p:extLst>
+    <p:ext uri="{EFAFB233-063F-42B5-8137-9DF3F51BA10A}">
+      <p15:sldGuideLst xmlns:p15="http://schemas.microsoft.com/office/powerpoint/2012/main"/>
+    </p:ext>
+  </p:extLst>
 </p:presentation>
 </file>
 
@@ -1852,7 +1857,7 @@
                 </a:solidFill>
                 <a:latin typeface="Calibri"/>
               </a:rPr>
-              <a:t>4/8/2020</a:t>
+              <a:t>4/15/2020</a:t>
             </a:fld>
             <a:endParaRPr lang="en-US" sz="1200" b="0" strike="noStrike" spc="-1">
               <a:latin typeface="Times New Roman"/>
@@ -7370,18 +7375,24 @@
         <p:nvGraphicFramePr>
           <p:cNvPr id="172" name="Table 1"/>
           <p:cNvGraphicFramePr/>
-          <p:nvPr/>
+          <p:nvPr>
+            <p:extLst>
+              <p:ext uri="{D42A27DB-BD31-4B8C-83A1-F6EECF244321}">
+                <p14:modId xmlns:p14="http://schemas.microsoft.com/office/powerpoint/2010/main" val="2807954354"/>
+              </p:ext>
+            </p:extLst>
+          </p:nvPr>
         </p:nvGraphicFramePr>
         <p:xfrm>
           <a:off x="1920240" y="2193480"/>
-          <a:ext cx="1463040" cy="314280"/>
+          <a:ext cx="403860" cy="314280"/>
         </p:xfrm>
         <a:graphic>
           <a:graphicData uri="http://schemas.openxmlformats.org/drawingml/2006/table">
             <a:tbl>
               <a:tblPr/>
               <a:tblGrid>
-                <a:gridCol w="1463040"/>
+                <a:gridCol w="403860"/>
               </a:tblGrid>
               <a:tr h="314280">
                 <a:tc>
@@ -7389,13 +7400,13 @@
                     <a:bodyPr/>
                     <a:lstStyle/>
                     <a:p>
-                      <a:pPr algn="ctr">
+                      <a:pPr algn="l">
                         <a:lnSpc>
                           <a:spcPct val="100000"/>
                         </a:lnSpc>
                       </a:pPr>
                       <a:r>
-                        <a:rPr lang="en-US" sz="1400" b="0" strike="noStrike" spc="-1">
+                        <a:rPr lang="en-US" sz="1400" b="0" strike="noStrike" spc="-1" dirty="0" smtClean="0">
                           <a:solidFill>
                             <a:srgbClr val="000000"/>
                           </a:solidFill>
@@ -7405,7 +7416,7 @@
                         <a:t>J</a:t>
                       </a:r>
                       <a:r>
-                        <a:rPr lang="en-US" sz="900" b="0" strike="noStrike" spc="-1">
+                        <a:rPr lang="en-US" sz="900" b="0" strike="noStrike" spc="-1" dirty="0" smtClean="0">
                           <a:solidFill>
                             <a:srgbClr val="000000"/>
                           </a:solidFill>
@@ -7414,63 +7425,7 @@
                         </a:rPr>
                         <a:t>1.1</a:t>
                       </a:r>
-                      <a:r>
-                        <a:rPr lang="en-US" sz="1400" b="0" strike="noStrike" spc="-1">
-                          <a:solidFill>
-                            <a:srgbClr val="000000"/>
-                          </a:solidFill>
-                          <a:latin typeface="Times New Roman"/>
-                          <a:ea typeface="Noto Sans CJK SC"/>
-                        </a:rPr>
-                        <a:t>, J</a:t>
-                      </a:r>
-                      <a:r>
-                        <a:rPr lang="en-US" sz="900" b="0" strike="noStrike" spc="-1">
-                          <a:solidFill>
-                            <a:srgbClr val="000000"/>
-                          </a:solidFill>
-                          <a:latin typeface="Times New Roman"/>
-                          <a:ea typeface="Noto Sans CJK SC"/>
-                        </a:rPr>
-                        <a:t>1.2, … , </a:t>
-                      </a:r>
-                      <a:r>
-                        <a:rPr lang="en-US" sz="1400" b="0" strike="noStrike" spc="-1">
-                          <a:solidFill>
-                            <a:srgbClr val="000000"/>
-                          </a:solidFill>
-                          <a:latin typeface="Times New Roman"/>
-                        </a:rPr>
-                        <a:t>J</a:t>
-                      </a:r>
-                      <a:r>
-                        <a:rPr lang="en-US" sz="900" b="0" strike="noStrike" spc="-1">
-                          <a:solidFill>
-                            <a:srgbClr val="000000"/>
-                          </a:solidFill>
-                          <a:latin typeface="Times New Roman"/>
-                        </a:rPr>
-                        <a:t>1.|N</a:t>
-                      </a:r>
-                      <a:r>
-                        <a:rPr lang="en-US" sz="600" b="0" strike="noStrike" spc="-1">
-                          <a:solidFill>
-                            <a:srgbClr val="000000"/>
-                          </a:solidFill>
-                          <a:latin typeface="Times New Roman"/>
-                        </a:rPr>
-                        <a:t>1</a:t>
-                      </a:r>
-                      <a:r>
-                        <a:rPr lang="en-US" sz="900" b="0" strike="noStrike" spc="-1">
-                          <a:solidFill>
-                            <a:srgbClr val="000000"/>
-                          </a:solidFill>
-                          <a:latin typeface="Times New Roman"/>
-                        </a:rPr>
-                        <a:t>|</a:t>
-                      </a:r>
-                      <a:endParaRPr lang="en-US" sz="900" b="0" strike="noStrike" spc="-1">
+                      <a:endParaRPr lang="en-US" sz="900" b="0" strike="noStrike" spc="-1" dirty="0">
                         <a:latin typeface="Arial"/>
                       </a:endParaRPr>
                     </a:p>
@@ -7497,7 +7452,9 @@
                       </a:solidFill>
                     </a:lnB>
                     <a:solidFill>
-                      <a:srgbClr val="CCFFCC"/>
+                      <a:schemeClr val="bg1">
+                        <a:lumMod val="95000"/>
+                      </a:schemeClr>
                     </a:solidFill>
                   </a:tcPr>
                 </a:tc>
@@ -7514,8 +7471,8 @@
         </p:nvGrpSpPr>
         <p:grpSpPr>
           <a:xfrm>
-            <a:off x="1890000" y="2549160"/>
-            <a:ext cx="4968000" cy="54000"/>
+            <a:off x="1914524" y="2544120"/>
+            <a:ext cx="4998245" cy="107640"/>
             <a:chOff x="1890000" y="2549160"/>
             <a:chExt cx="4968000" cy="54000"/>
           </a:xfrm>
@@ -9040,7 +8997,7 @@
         </p:nvSpPr>
         <p:spPr>
           <a:xfrm>
-            <a:off x="3200400" y="1920240"/>
+            <a:off x="3190944" y="1906020"/>
             <a:ext cx="322920" cy="331920"/>
           </a:xfrm>
           <a:prstGeom prst="rect">
@@ -9073,7 +9030,7 @@
               </a:lnSpc>
             </a:pPr>
             <a:r>
-              <a:rPr lang="en-US" sz="1400" b="0" i="1" strike="noStrike" spc="-1">
+              <a:rPr lang="en-US" sz="1400" b="0" i="1" strike="noStrike" spc="-1" dirty="0">
                 <a:solidFill>
                   <a:srgbClr val="000000"/>
                 </a:solidFill>
@@ -9082,7 +9039,7 @@
               <a:t>S</a:t>
             </a:r>
             <a:r>
-              <a:rPr lang="en-US" sz="1400" b="0" strike="noStrike" spc="-1" baseline="-25000">
+              <a:rPr lang="en-US" sz="1400" b="0" strike="noStrike" spc="-1" baseline="-25000" dirty="0">
                 <a:solidFill>
                   <a:srgbClr val="000000"/>
                 </a:solidFill>
@@ -9090,152 +9047,12 @@
               </a:rPr>
               <a:t>1</a:t>
             </a:r>
-            <a:endParaRPr lang="en-US" sz="1400" b="0" strike="noStrike" spc="-1">
+            <a:endParaRPr lang="en-US" sz="1400" b="0" strike="noStrike" spc="-1" dirty="0">
               <a:latin typeface="Arial"/>
             </a:endParaRPr>
           </a:p>
         </p:txBody>
       </p:sp>
-      <p:graphicFrame>
-        <p:nvGraphicFramePr>
-          <p:cNvPr id="220" name="Table 49"/>
-          <p:cNvGraphicFramePr/>
-          <p:nvPr/>
-        </p:nvGraphicFramePr>
-        <p:xfrm>
-          <a:off x="3380040" y="2197800"/>
-          <a:ext cx="1466280" cy="307800"/>
-        </p:xfrm>
-        <a:graphic>
-          <a:graphicData uri="http://schemas.openxmlformats.org/drawingml/2006/table">
-            <a:tbl>
-              <a:tblPr/>
-              <a:tblGrid>
-                <a:gridCol w="1466280"/>
-              </a:tblGrid>
-              <a:tr h="307800">
-                <a:tc>
-                  <a:txBody>
-                    <a:bodyPr/>
-                    <a:lstStyle/>
-                    <a:p>
-                      <a:pPr algn="ctr">
-                        <a:lnSpc>
-                          <a:spcPct val="100000"/>
-                        </a:lnSpc>
-                      </a:pPr>
-                      <a:r>
-                        <a:rPr lang="en-US" sz="1400" b="0" strike="noStrike" spc="-1">
-                          <a:solidFill>
-                            <a:srgbClr val="000000"/>
-                          </a:solidFill>
-                          <a:latin typeface="Times New Roman"/>
-                          <a:ea typeface="Noto Sans CJK SC"/>
-                        </a:rPr>
-                        <a:t>J</a:t>
-                      </a:r>
-                      <a:r>
-                        <a:rPr lang="en-US" sz="900" b="0" strike="noStrike" spc="-1">
-                          <a:solidFill>
-                            <a:srgbClr val="000000"/>
-                          </a:solidFill>
-                          <a:latin typeface="Times New Roman"/>
-                          <a:ea typeface="Noto Sans CJK SC"/>
-                        </a:rPr>
-                        <a:t>2.1</a:t>
-                      </a:r>
-                      <a:r>
-                        <a:rPr lang="en-US" sz="1400" b="0" strike="noStrike" spc="-1">
-                          <a:solidFill>
-                            <a:srgbClr val="000000"/>
-                          </a:solidFill>
-                          <a:latin typeface="Times New Roman"/>
-                          <a:ea typeface="Noto Sans CJK SC"/>
-                        </a:rPr>
-                        <a:t>, J</a:t>
-                      </a:r>
-                      <a:r>
-                        <a:rPr lang="en-US" sz="900" b="0" strike="noStrike" spc="-1">
-                          <a:solidFill>
-                            <a:srgbClr val="000000"/>
-                          </a:solidFill>
-                          <a:latin typeface="Times New Roman"/>
-                          <a:ea typeface="Noto Sans CJK SC"/>
-                        </a:rPr>
-                        <a:t>2.2, … , </a:t>
-                      </a:r>
-                      <a:r>
-                        <a:rPr lang="en-US" sz="1400" b="0" strike="noStrike" spc="-1">
-                          <a:solidFill>
-                            <a:srgbClr val="000000"/>
-                          </a:solidFill>
-                          <a:latin typeface="Times New Roman"/>
-                        </a:rPr>
-                        <a:t>J</a:t>
-                      </a:r>
-                      <a:r>
-                        <a:rPr lang="en-US" sz="900" b="0" strike="noStrike" spc="-1">
-                          <a:solidFill>
-                            <a:srgbClr val="000000"/>
-                          </a:solidFill>
-                          <a:latin typeface="Times New Roman"/>
-                        </a:rPr>
-                        <a:t>2.|N</a:t>
-                      </a:r>
-                      <a:r>
-                        <a:rPr lang="en-US" sz="600" b="0" strike="noStrike" spc="-1">
-                          <a:solidFill>
-                            <a:srgbClr val="000000"/>
-                          </a:solidFill>
-                          <a:latin typeface="Times New Roman"/>
-                        </a:rPr>
-                        <a:t>2</a:t>
-                      </a:r>
-                      <a:r>
-                        <a:rPr lang="en-US" sz="900" b="0" strike="noStrike" spc="-1">
-                          <a:solidFill>
-                            <a:srgbClr val="000000"/>
-                          </a:solidFill>
-                          <a:latin typeface="Times New Roman"/>
-                        </a:rPr>
-                        <a:t>|</a:t>
-                      </a:r>
-                      <a:endParaRPr lang="en-US" sz="900" b="0" strike="noStrike" spc="-1">
-                        <a:latin typeface="Arial"/>
-                      </a:endParaRPr>
-                    </a:p>
-                  </a:txBody>
-                  <a:tcPr>
-                    <a:lnL w="12240">
-                      <a:solidFill>
-                        <a:srgbClr val="000000"/>
-                      </a:solidFill>
-                    </a:lnL>
-                    <a:lnR w="12240">
-                      <a:solidFill>
-                        <a:srgbClr val="000000"/>
-                      </a:solidFill>
-                    </a:lnR>
-                    <a:lnT w="12240">
-                      <a:solidFill>
-                        <a:srgbClr val="000000"/>
-                      </a:solidFill>
-                    </a:lnT>
-                    <a:lnB w="12240">
-                      <a:solidFill>
-                        <a:srgbClr val="000000"/>
-                      </a:solidFill>
-                    </a:lnB>
-                    <a:solidFill>
-                      <a:srgbClr val="FFF9AE"/>
-                    </a:solidFill>
-                  </a:tcPr>
-                </a:tc>
-              </a:tr>
-            </a:tbl>
-          </a:graphicData>
-        </a:graphic>
-      </p:graphicFrame>
       <p:sp>
         <p:nvSpPr>
           <p:cNvPr id="221" name="CustomShape 50"/>
@@ -9268,219 +9085,6 @@
           <a:fontRef idx="minor"/>
         </p:style>
       </p:sp>
-      <p:graphicFrame>
-        <p:nvGraphicFramePr>
-          <p:cNvPr id="222" name="Table 51"/>
-          <p:cNvGraphicFramePr/>
-          <p:nvPr/>
-        </p:nvGraphicFramePr>
-        <p:xfrm>
-          <a:off x="4846320" y="2196720"/>
-          <a:ext cx="667800" cy="307080"/>
-        </p:xfrm>
-        <a:graphic>
-          <a:graphicData uri="http://schemas.openxmlformats.org/drawingml/2006/table">
-            <a:tbl>
-              <a:tblPr/>
-              <a:tblGrid>
-                <a:gridCol w="667800"/>
-              </a:tblGrid>
-              <a:tr h="307080">
-                <a:tc>
-                  <a:txBody>
-                    <a:bodyPr/>
-                    <a:lstStyle/>
-                    <a:p>
-                      <a:pPr algn="ctr">
-                        <a:lnSpc>
-                          <a:spcPct val="100000"/>
-                        </a:lnSpc>
-                      </a:pPr>
-                      <a:r>
-                        <a:rPr lang="en-US" sz="1400" b="0" strike="noStrike" spc="-1">
-                          <a:solidFill>
-                            <a:srgbClr val="000000"/>
-                          </a:solidFill>
-                          <a:latin typeface="Times New Roman"/>
-                        </a:rPr>
-                        <a:t>...</a:t>
-                      </a:r>
-                      <a:endParaRPr lang="en-US" sz="1400" b="0" strike="noStrike" spc="-1">
-                        <a:latin typeface="Arial"/>
-                      </a:endParaRPr>
-                    </a:p>
-                  </a:txBody>
-                  <a:tcPr>
-                    <a:lnL w="12240">
-                      <a:solidFill>
-                        <a:srgbClr val="000000"/>
-                      </a:solidFill>
-                    </a:lnL>
-                    <a:lnR w="12240">
-                      <a:solidFill>
-                        <a:srgbClr val="000000"/>
-                      </a:solidFill>
-                    </a:lnR>
-                    <a:lnT w="12240">
-                      <a:solidFill>
-                        <a:srgbClr val="000000"/>
-                      </a:solidFill>
-                    </a:lnT>
-                    <a:lnB w="12240">
-                      <a:solidFill>
-                        <a:srgbClr val="000000"/>
-                      </a:solidFill>
-                    </a:lnB>
-                    <a:solidFill>
-                      <a:srgbClr val="BCE4E5"/>
-                    </a:solidFill>
-                  </a:tcPr>
-                </a:tc>
-              </a:tr>
-            </a:tbl>
-          </a:graphicData>
-        </a:graphic>
-      </p:graphicFrame>
-      <p:graphicFrame>
-        <p:nvGraphicFramePr>
-          <p:cNvPr id="223" name="Table 52"/>
-          <p:cNvGraphicFramePr/>
-          <p:nvPr/>
-        </p:nvGraphicFramePr>
-        <p:xfrm>
-          <a:off x="5513760" y="2201760"/>
-          <a:ext cx="1343520" cy="304800"/>
-        </p:xfrm>
-        <a:graphic>
-          <a:graphicData uri="http://schemas.openxmlformats.org/drawingml/2006/table">
-            <a:tbl>
-              <a:tblPr/>
-              <a:tblGrid>
-                <a:gridCol w="1343520"/>
-              </a:tblGrid>
-              <a:tr h="302400">
-                <a:tc>
-                  <a:txBody>
-                    <a:bodyPr/>
-                    <a:lstStyle/>
-                    <a:p>
-                      <a:pPr algn="ctr">
-                        <a:lnSpc>
-                          <a:spcPct val="100000"/>
-                        </a:lnSpc>
-                      </a:pPr>
-                      <a:r>
-                        <a:rPr lang="en-US" sz="1400" b="0" strike="noStrike" spc="-1">
-                          <a:solidFill>
-                            <a:srgbClr val="000000"/>
-                          </a:solidFill>
-                          <a:latin typeface="Times New Roman"/>
-                          <a:ea typeface="Noto Sans CJK SC"/>
-                        </a:rPr>
-                        <a:t>J</a:t>
-                      </a:r>
-                      <a:r>
-                        <a:rPr lang="en-US" sz="900" b="0" strike="noStrike" spc="-1">
-                          <a:solidFill>
-                            <a:srgbClr val="000000"/>
-                          </a:solidFill>
-                          <a:latin typeface="Times New Roman"/>
-                          <a:ea typeface="Noto Sans CJK SC"/>
-                        </a:rPr>
-                        <a:t>k.1</a:t>
-                      </a:r>
-                      <a:r>
-                        <a:rPr lang="en-US" sz="1400" b="0" strike="noStrike" spc="-1">
-                          <a:solidFill>
-                            <a:srgbClr val="000000"/>
-                          </a:solidFill>
-                          <a:latin typeface="Times New Roman"/>
-                          <a:ea typeface="Noto Sans CJK SC"/>
-                        </a:rPr>
-                        <a:t>, J</a:t>
-                      </a:r>
-                      <a:r>
-                        <a:rPr lang="en-US" sz="900" b="0" strike="noStrike" spc="-1">
-                          <a:solidFill>
-                            <a:srgbClr val="000000"/>
-                          </a:solidFill>
-                          <a:latin typeface="Times New Roman"/>
-                          <a:ea typeface="Noto Sans CJK SC"/>
-                        </a:rPr>
-                        <a:t>k.2, … , </a:t>
-                      </a:r>
-                      <a:r>
-                        <a:rPr lang="en-US" sz="1400" b="0" strike="noStrike" spc="-1">
-                          <a:solidFill>
-                            <a:srgbClr val="000000"/>
-                          </a:solidFill>
-                          <a:latin typeface="Times New Roman"/>
-                        </a:rPr>
-                        <a:t>J</a:t>
-                      </a:r>
-                      <a:r>
-                        <a:rPr lang="en-US" sz="900" b="0" strike="noStrike" spc="-1">
-                          <a:solidFill>
-                            <a:srgbClr val="000000"/>
-                          </a:solidFill>
-                          <a:latin typeface="Times New Roman"/>
-                        </a:rPr>
-                        <a:t>k.|N</a:t>
-                      </a:r>
-                      <a:r>
-                        <a:rPr lang="en-US" sz="600" b="0" strike="noStrike" spc="-1">
-                          <a:solidFill>
-                            <a:srgbClr val="000000"/>
-                          </a:solidFill>
-                          <a:latin typeface="Times New Roman"/>
-                        </a:rPr>
-                        <a:t>k</a:t>
-                      </a:r>
-                      <a:r>
-                        <a:rPr lang="en-US" sz="900" b="0" strike="noStrike" spc="-1">
-                          <a:solidFill>
-                            <a:srgbClr val="000000"/>
-                          </a:solidFill>
-                          <a:latin typeface="Times New Roman"/>
-                        </a:rPr>
-                        <a:t>|</a:t>
-                      </a:r>
-                      <a:endParaRPr lang="en-US" sz="900" b="0" strike="noStrike" spc="-1">
-                        <a:latin typeface="Arial"/>
-                      </a:endParaRPr>
-                    </a:p>
-                  </a:txBody>
-                  <a:tcPr>
-                    <a:lnL w="12240">
-                      <a:solidFill>
-                        <a:srgbClr val="000000"/>
-                      </a:solidFill>
-                    </a:lnL>
-                    <a:lnR w="12240">
-                      <a:solidFill>
-                        <a:srgbClr val="000000"/>
-                      </a:solidFill>
-                    </a:lnR>
-                    <a:lnT w="12240">
-                      <a:solidFill>
-                        <a:srgbClr val="000000"/>
-                      </a:solidFill>
-                    </a:lnT>
-                    <a:lnB w="12240">
-                      <a:solidFill>
-                        <a:srgbClr val="000000"/>
-                      </a:solidFill>
-                    </a:lnB>
-                    <a:solidFill>
-                      <a:srgbClr val="F7A19A"/>
-                    </a:solidFill>
-                  </a:tcPr>
-                </a:tc>
-              </a:tr>
-            </a:tbl>
-          </a:graphicData>
-        </a:graphic>
-      </p:graphicFrame>
       <p:sp>
         <p:nvSpPr>
           <p:cNvPr id="224" name="CustomShape 53"/>
@@ -9553,7 +9157,7 @@
         </p:nvSpPr>
         <p:spPr>
           <a:xfrm>
-            <a:off x="1776240" y="2544120"/>
+            <a:off x="1797539" y="2549375"/>
             <a:ext cx="245160" cy="242640"/>
           </a:xfrm>
           <a:prstGeom prst="rect">
@@ -9586,7 +9190,7 @@
               </a:lnSpc>
             </a:pPr>
             <a:r>
-              <a:rPr lang="en-US" sz="1000" b="0" strike="noStrike" spc="-1">
+              <a:rPr lang="en-US" sz="1000" b="0" strike="noStrike" spc="-1" dirty="0">
                 <a:solidFill>
                   <a:srgbClr val="000000"/>
                 </a:solidFill>
@@ -9594,7 +9198,7 @@
               </a:rPr>
               <a:t>0</a:t>
             </a:r>
-            <a:endParaRPr lang="en-US" sz="1000" b="0" strike="noStrike" spc="-1">
+            <a:endParaRPr lang="en-US" sz="1000" b="0" strike="noStrike" spc="-1" dirty="0">
               <a:latin typeface="Arial"/>
             </a:endParaRPr>
           </a:p>
@@ -9608,7 +9212,7 @@
         </p:nvSpPr>
         <p:spPr>
           <a:xfrm>
-            <a:off x="1559160" y="2223360"/>
+            <a:off x="1581014" y="2209140"/>
             <a:ext cx="361080" cy="331920"/>
           </a:xfrm>
           <a:prstGeom prst="rect">
@@ -9641,7 +9245,7 @@
               </a:lnSpc>
             </a:pPr>
             <a:r>
-              <a:rPr lang="en-US" sz="1400" b="0" i="1" strike="noStrike" spc="-1">
+              <a:rPr lang="en-US" sz="1400" b="0" i="1" strike="noStrike" spc="-1" dirty="0">
                 <a:solidFill>
                   <a:srgbClr val="000000"/>
                 </a:solidFill>
@@ -9650,7 +9254,7 @@
               <a:t>m</a:t>
             </a:r>
             <a:r>
-              <a:rPr lang="en-US" sz="1400" b="0" strike="noStrike" spc="-1" baseline="-25000">
+              <a:rPr lang="en-US" sz="1400" b="0" strike="noStrike" spc="-1" baseline="-25000" dirty="0">
                 <a:solidFill>
                   <a:srgbClr val="000000"/>
                 </a:solidFill>
@@ -9658,7 +9262,7 @@
               </a:rPr>
               <a:t>1</a:t>
             </a:r>
-            <a:endParaRPr lang="en-US" sz="1400" b="0" strike="noStrike" spc="-1">
+            <a:endParaRPr lang="en-US" sz="1400" b="0" strike="noStrike" spc="-1" dirty="0">
               <a:latin typeface="Arial"/>
             </a:endParaRPr>
           </a:p>
@@ -9672,7 +9276,7 @@
         </p:nvSpPr>
         <p:spPr>
           <a:xfrm>
-            <a:off x="5352480" y="1920240"/>
+            <a:off x="5161210" y="1934460"/>
             <a:ext cx="312120" cy="303480"/>
           </a:xfrm>
           <a:prstGeom prst="rect">
@@ -9727,7 +9331,7 @@
         </p:nvSpPr>
         <p:spPr>
           <a:xfrm>
-            <a:off x="6675120" y="1920240"/>
+            <a:off x="6631806" y="1914295"/>
             <a:ext cx="321480" cy="331920"/>
           </a:xfrm>
           <a:prstGeom prst="rect">
@@ -9760,7 +9364,7 @@
               </a:lnSpc>
             </a:pPr>
             <a:r>
-              <a:rPr lang="en-US" sz="1400" b="0" i="1" strike="noStrike" spc="-1">
+              <a:rPr lang="en-US" sz="1400" b="0" i="1" strike="noStrike" spc="-1" dirty="0">
                 <a:solidFill>
                   <a:srgbClr val="000000"/>
                 </a:solidFill>
@@ -9769,7 +9373,7 @@
               <a:t>S</a:t>
             </a:r>
             <a:r>
-              <a:rPr lang="en-US" sz="1400" b="0" strike="noStrike" spc="-1" baseline="-25000">
+              <a:rPr lang="en-US" sz="1400" b="0" strike="noStrike" spc="-1" baseline="-25000" dirty="0">
                 <a:solidFill>
                   <a:srgbClr val="000000"/>
                 </a:solidFill>
@@ -9777,7 +9381,7 @@
               </a:rPr>
               <a:t>k</a:t>
             </a:r>
-            <a:endParaRPr lang="en-US" sz="1400" b="0" strike="noStrike" spc="-1">
+            <a:endParaRPr lang="en-US" sz="1400" b="0" strike="noStrike" spc="-1" dirty="0">
               <a:latin typeface="Arial"/>
             </a:endParaRPr>
           </a:p>
@@ -9791,7 +9395,7 @@
         </p:nvSpPr>
         <p:spPr>
           <a:xfrm>
-            <a:off x="4707000" y="1920240"/>
+            <a:off x="4780080" y="1920240"/>
             <a:ext cx="321480" cy="331920"/>
           </a:xfrm>
           <a:prstGeom prst="rect">
@@ -9824,7 +9428,7 @@
               </a:lnSpc>
             </a:pPr>
             <a:r>
-              <a:rPr lang="en-US" sz="1400" b="0" i="1" strike="noStrike" spc="-1">
+              <a:rPr lang="en-US" sz="1400" b="0" i="1" strike="noStrike" spc="-1" dirty="0">
                 <a:solidFill>
                   <a:srgbClr val="000000"/>
                 </a:solidFill>
@@ -9833,7 +9437,7 @@
               <a:t>S</a:t>
             </a:r>
             <a:r>
-              <a:rPr lang="en-US" sz="1400" b="0" strike="noStrike" spc="-1" baseline="-25000">
+              <a:rPr lang="en-US" sz="1400" b="0" strike="noStrike" spc="-1" baseline="-25000" dirty="0">
                 <a:solidFill>
                   <a:srgbClr val="000000"/>
                 </a:solidFill>
@@ -9841,7 +9445,7 @@
               </a:rPr>
               <a:t>2</a:t>
             </a:r>
-            <a:endParaRPr lang="en-US" sz="1400" b="0" strike="noStrike" spc="-1">
+            <a:endParaRPr lang="en-US" sz="1400" b="0" strike="noStrike" spc="-1" dirty="0">
               <a:latin typeface="Arial"/>
             </a:endParaRPr>
           </a:p>
@@ -9860,7 +9464,7 @@
         </p:blipFill>
         <p:spPr>
           <a:xfrm>
-            <a:off x="3063960" y="2651760"/>
+            <a:off x="3009864" y="2786760"/>
             <a:ext cx="685080" cy="457200"/>
           </a:xfrm>
           <a:prstGeom prst="rect">
@@ -9884,7 +9488,7 @@
         </p:blipFill>
         <p:spPr>
           <a:xfrm>
-            <a:off x="4572000" y="2620080"/>
+            <a:off x="4588011" y="2665440"/>
             <a:ext cx="693000" cy="488880"/>
           </a:xfrm>
           <a:prstGeom prst="rect">
@@ -9908,7 +9512,7 @@
         </p:blipFill>
         <p:spPr>
           <a:xfrm>
-            <a:off x="6476400" y="2651760"/>
+            <a:off x="6301440" y="2728676"/>
             <a:ext cx="747360" cy="456840"/>
           </a:xfrm>
           <a:prstGeom prst="rect">
@@ -9919,6 +9523,1375 @@
           </a:ln>
         </p:spPr>
       </p:pic>
+      <p:graphicFrame>
+        <p:nvGraphicFramePr>
+          <p:cNvPr id="68" name="Table 1"/>
+          <p:cNvGraphicFramePr/>
+          <p:nvPr>
+            <p:extLst>
+              <p:ext uri="{D42A27DB-BD31-4B8C-83A1-F6EECF244321}">
+                <p14:modId xmlns:p14="http://schemas.microsoft.com/office/powerpoint/2010/main" val="3469347495"/>
+              </p:ext>
+            </p:extLst>
+          </p:nvPr>
+        </p:nvGraphicFramePr>
+        <p:xfrm>
+          <a:off x="2324100" y="2193481"/>
+          <a:ext cx="400049" cy="314280"/>
+        </p:xfrm>
+        <a:graphic>
+          <a:graphicData uri="http://schemas.openxmlformats.org/drawingml/2006/table">
+            <a:tbl>
+              <a:tblPr/>
+              <a:tblGrid>
+                <a:gridCol w="400049"/>
+              </a:tblGrid>
+              <a:tr h="314280">
+                <a:tc>
+                  <a:txBody>
+                    <a:bodyPr/>
+                    <a:lstStyle/>
+                    <a:p>
+                      <a:pPr algn="l">
+                        <a:lnSpc>
+                          <a:spcPct val="100000"/>
+                        </a:lnSpc>
+                      </a:pPr>
+                      <a:r>
+                        <a:rPr lang="en-US" sz="1400" b="0" strike="noStrike" spc="-1" dirty="0" smtClean="0">
+                          <a:solidFill>
+                            <a:srgbClr val="000000"/>
+                          </a:solidFill>
+                          <a:latin typeface="Times New Roman"/>
+                          <a:ea typeface="Noto Sans CJK SC"/>
+                        </a:rPr>
+                        <a:t>J</a:t>
+                      </a:r>
+                      <a:r>
+                        <a:rPr lang="en-US" sz="900" b="0" strike="noStrike" spc="-1" dirty="0" smtClean="0">
+                          <a:solidFill>
+                            <a:srgbClr val="000000"/>
+                          </a:solidFill>
+                          <a:latin typeface="Times New Roman"/>
+                          <a:ea typeface="Noto Sans CJK SC"/>
+                        </a:rPr>
+                        <a:t>1.2</a:t>
+                      </a:r>
+                      <a:endParaRPr lang="en-US" sz="900" b="0" strike="noStrike" spc="-1" dirty="0">
+                        <a:latin typeface="Arial"/>
+                      </a:endParaRPr>
+                    </a:p>
+                  </a:txBody>
+                  <a:tcPr>
+                    <a:lnL w="12240">
+                      <a:solidFill>
+                        <a:srgbClr val="000000"/>
+                      </a:solidFill>
+                    </a:lnL>
+                    <a:lnR w="12240">
+                      <a:solidFill>
+                        <a:srgbClr val="000000"/>
+                      </a:solidFill>
+                    </a:lnR>
+                    <a:lnT w="12240">
+                      <a:solidFill>
+                        <a:srgbClr val="000000"/>
+                      </a:solidFill>
+                    </a:lnT>
+                    <a:lnB w="12240">
+                      <a:solidFill>
+                        <a:srgbClr val="000000"/>
+                      </a:solidFill>
+                    </a:lnB>
+                    <a:solidFill>
+                      <a:schemeClr val="bg1">
+                        <a:lumMod val="95000"/>
+                      </a:schemeClr>
+                    </a:solidFill>
+                  </a:tcPr>
+                </a:tc>
+              </a:tr>
+            </a:tbl>
+          </a:graphicData>
+        </a:graphic>
+      </p:graphicFrame>
+      <p:graphicFrame>
+        <p:nvGraphicFramePr>
+          <p:cNvPr id="69" name="Table 1"/>
+          <p:cNvGraphicFramePr/>
+          <p:nvPr>
+            <p:extLst>
+              <p:ext uri="{D42A27DB-BD31-4B8C-83A1-F6EECF244321}">
+                <p14:modId xmlns:p14="http://schemas.microsoft.com/office/powerpoint/2010/main" val="3295903455"/>
+              </p:ext>
+            </p:extLst>
+          </p:nvPr>
+        </p:nvGraphicFramePr>
+        <p:xfrm>
+          <a:off x="2719388" y="2193480"/>
+          <a:ext cx="330172" cy="314280"/>
+        </p:xfrm>
+        <a:graphic>
+          <a:graphicData uri="http://schemas.openxmlformats.org/drawingml/2006/table">
+            <a:tbl>
+              <a:tblPr/>
+              <a:tblGrid>
+                <a:gridCol w="330172"/>
+              </a:tblGrid>
+              <a:tr h="314280">
+                <a:tc>
+                  <a:txBody>
+                    <a:bodyPr/>
+                    <a:lstStyle/>
+                    <a:p>
+                      <a:pPr algn="l">
+                        <a:lnSpc>
+                          <a:spcPct val="100000"/>
+                        </a:lnSpc>
+                      </a:pPr>
+                      <a:r>
+                        <a:rPr lang="en-US" sz="1200" b="0" strike="noStrike" spc="-1" dirty="0" smtClean="0">
+                          <a:solidFill>
+                            <a:srgbClr val="000000"/>
+                          </a:solidFill>
+                          <a:latin typeface="Times New Roman"/>
+                          <a:ea typeface="Noto Sans CJK SC"/>
+                        </a:rPr>
+                        <a:t>...</a:t>
+                      </a:r>
+                      <a:endParaRPr lang="en-US" sz="1200" b="0" strike="noStrike" spc="-1" dirty="0">
+                        <a:latin typeface="Arial"/>
+                      </a:endParaRPr>
+                    </a:p>
+                  </a:txBody>
+                  <a:tcPr>
+                    <a:lnL w="12240">
+                      <a:solidFill>
+                        <a:srgbClr val="000000"/>
+                      </a:solidFill>
+                    </a:lnL>
+                    <a:lnR w="12240">
+                      <a:solidFill>
+                        <a:srgbClr val="000000"/>
+                      </a:solidFill>
+                    </a:lnR>
+                    <a:lnT w="12240">
+                      <a:solidFill>
+                        <a:srgbClr val="000000"/>
+                      </a:solidFill>
+                    </a:lnT>
+                    <a:lnB w="12240">
+                      <a:solidFill>
+                        <a:srgbClr val="000000"/>
+                      </a:solidFill>
+                    </a:lnB>
+                    <a:solidFill>
+                      <a:schemeClr val="bg1">
+                        <a:lumMod val="95000"/>
+                      </a:schemeClr>
+                    </a:solidFill>
+                  </a:tcPr>
+                </a:tc>
+              </a:tr>
+            </a:tbl>
+          </a:graphicData>
+        </a:graphic>
+      </p:graphicFrame>
+      <p:graphicFrame>
+        <p:nvGraphicFramePr>
+          <p:cNvPr id="70" name="Table 1"/>
+          <p:cNvGraphicFramePr/>
+          <p:nvPr>
+            <p:extLst>
+              <p:ext uri="{D42A27DB-BD31-4B8C-83A1-F6EECF244321}">
+                <p14:modId xmlns:p14="http://schemas.microsoft.com/office/powerpoint/2010/main" val="4056620305"/>
+              </p:ext>
+            </p:extLst>
+          </p:nvPr>
+        </p:nvGraphicFramePr>
+        <p:xfrm>
+          <a:off x="2977682" y="2193481"/>
+          <a:ext cx="539911" cy="314280"/>
+        </p:xfrm>
+        <a:graphic>
+          <a:graphicData uri="http://schemas.openxmlformats.org/drawingml/2006/table">
+            <a:tbl>
+              <a:tblPr/>
+              <a:tblGrid>
+                <a:gridCol w="539911"/>
+              </a:tblGrid>
+              <a:tr h="314280">
+                <a:tc>
+                  <a:txBody>
+                    <a:bodyPr/>
+                    <a:lstStyle/>
+                    <a:p>
+                      <a:pPr algn="l">
+                        <a:lnSpc>
+                          <a:spcPct val="100000"/>
+                        </a:lnSpc>
+                      </a:pPr>
+                      <a:r>
+                        <a:rPr lang="en-US" sz="1400" b="0" strike="noStrike" spc="-1" dirty="0" smtClean="0">
+                          <a:solidFill>
+                            <a:srgbClr val="000000"/>
+                          </a:solidFill>
+                          <a:latin typeface="Times New Roman"/>
+                          <a:ea typeface="Noto Sans CJK SC"/>
+                        </a:rPr>
+                        <a:t>J</a:t>
+                      </a:r>
+                      <a:r>
+                        <a:rPr lang="en-US" sz="900" b="0" strike="noStrike" spc="-1" dirty="0" smtClean="0">
+                          <a:solidFill>
+                            <a:srgbClr val="000000"/>
+                          </a:solidFill>
+                          <a:latin typeface="Times New Roman"/>
+                          <a:ea typeface="Noto Sans CJK SC"/>
+                        </a:rPr>
+                        <a:t>1.</a:t>
+                      </a:r>
+                      <a:r>
+                        <a:rPr lang="en-US" sz="900" b="0" strike="noStrike" spc="-1" dirty="0" smtClean="0">
+                          <a:solidFill>
+                            <a:srgbClr val="000000"/>
+                          </a:solidFill>
+                          <a:latin typeface="Times New Roman"/>
+                        </a:rPr>
+                        <a:t> |N</a:t>
+                      </a:r>
+                      <a:r>
+                        <a:rPr lang="en-US" sz="600" b="0" strike="noStrike" spc="-1" dirty="0" smtClean="0">
+                          <a:solidFill>
+                            <a:srgbClr val="000000"/>
+                          </a:solidFill>
+                          <a:latin typeface="Times New Roman"/>
+                        </a:rPr>
+                        <a:t>1</a:t>
+                      </a:r>
+                      <a:r>
+                        <a:rPr lang="en-US" sz="900" b="0" strike="noStrike" spc="-1" dirty="0" smtClean="0">
+                          <a:solidFill>
+                            <a:srgbClr val="000000"/>
+                          </a:solidFill>
+                          <a:latin typeface="Times New Roman"/>
+                        </a:rPr>
+                        <a:t>|</a:t>
+                      </a:r>
+                      <a:endParaRPr lang="en-US" sz="900" b="0" strike="noStrike" spc="-1" dirty="0">
+                        <a:latin typeface="Arial"/>
+                      </a:endParaRPr>
+                    </a:p>
+                  </a:txBody>
+                  <a:tcPr>
+                    <a:lnL w="12240">
+                      <a:solidFill>
+                        <a:srgbClr val="000000"/>
+                      </a:solidFill>
+                    </a:lnL>
+                    <a:lnR w="12240">
+                      <a:solidFill>
+                        <a:srgbClr val="000000"/>
+                      </a:solidFill>
+                    </a:lnR>
+                    <a:lnT w="12240">
+                      <a:solidFill>
+                        <a:srgbClr val="000000"/>
+                      </a:solidFill>
+                    </a:lnT>
+                    <a:lnB w="12240">
+                      <a:solidFill>
+                        <a:srgbClr val="000000"/>
+                      </a:solidFill>
+                    </a:lnB>
+                    <a:solidFill>
+                      <a:schemeClr val="bg1">
+                        <a:lumMod val="95000"/>
+                      </a:schemeClr>
+                    </a:solidFill>
+                  </a:tcPr>
+                </a:tc>
+              </a:tr>
+            </a:tbl>
+          </a:graphicData>
+        </a:graphic>
+      </p:graphicFrame>
+      <p:graphicFrame>
+        <p:nvGraphicFramePr>
+          <p:cNvPr id="75" name="Table 1"/>
+          <p:cNvGraphicFramePr/>
+          <p:nvPr>
+            <p:extLst>
+              <p:ext uri="{D42A27DB-BD31-4B8C-83A1-F6EECF244321}">
+                <p14:modId xmlns:p14="http://schemas.microsoft.com/office/powerpoint/2010/main" val="25881651"/>
+              </p:ext>
+            </p:extLst>
+          </p:nvPr>
+        </p:nvGraphicFramePr>
+        <p:xfrm>
+          <a:off x="5028480" y="2195403"/>
+          <a:ext cx="323850" cy="314280"/>
+        </p:xfrm>
+        <a:graphic>
+          <a:graphicData uri="http://schemas.openxmlformats.org/drawingml/2006/table">
+            <a:tbl>
+              <a:tblPr/>
+              <a:tblGrid>
+                <a:gridCol w="323850"/>
+              </a:tblGrid>
+              <a:tr h="314280">
+                <a:tc>
+                  <a:txBody>
+                    <a:bodyPr/>
+                    <a:lstStyle/>
+                    <a:p>
+                      <a:pPr algn="ctr">
+                        <a:lnSpc>
+                          <a:spcPct val="100000"/>
+                        </a:lnSpc>
+                      </a:pPr>
+                      <a:r>
+                        <a:rPr lang="en-US" sz="1400" b="0" strike="noStrike" spc="-1" dirty="0" smtClean="0">
+                          <a:solidFill>
+                            <a:srgbClr val="000000"/>
+                          </a:solidFill>
+                          <a:latin typeface="Times New Roman"/>
+                          <a:ea typeface="Noto Sans CJK SC"/>
+                        </a:rPr>
+                        <a:t>...</a:t>
+                      </a:r>
+                      <a:endParaRPr lang="en-US" sz="900" b="0" strike="noStrike" spc="-1" dirty="0">
+                        <a:latin typeface="Arial"/>
+                      </a:endParaRPr>
+                    </a:p>
+                  </a:txBody>
+                  <a:tcPr>
+                    <a:lnL w="12240">
+                      <a:solidFill>
+                        <a:srgbClr val="000000"/>
+                      </a:solidFill>
+                    </a:lnL>
+                    <a:lnR w="12240">
+                      <a:solidFill>
+                        <a:srgbClr val="000000"/>
+                      </a:solidFill>
+                    </a:lnR>
+                    <a:lnT w="12240">
+                      <a:solidFill>
+                        <a:srgbClr val="000000"/>
+                      </a:solidFill>
+                    </a:lnT>
+                    <a:lnB w="12240">
+                      <a:solidFill>
+                        <a:srgbClr val="000000"/>
+                      </a:solidFill>
+                    </a:lnB>
+                    <a:solidFill>
+                      <a:schemeClr val="bg1">
+                        <a:lumMod val="75000"/>
+                      </a:schemeClr>
+                    </a:solidFill>
+                  </a:tcPr>
+                </a:tc>
+              </a:tr>
+            </a:tbl>
+          </a:graphicData>
+        </a:graphic>
+      </p:graphicFrame>
+      <p:graphicFrame>
+        <p:nvGraphicFramePr>
+          <p:cNvPr id="80" name="Table 1"/>
+          <p:cNvGraphicFramePr/>
+          <p:nvPr>
+            <p:extLst>
+              <p:ext uri="{D42A27DB-BD31-4B8C-83A1-F6EECF244321}">
+                <p14:modId xmlns:p14="http://schemas.microsoft.com/office/powerpoint/2010/main" val="64980806"/>
+              </p:ext>
+            </p:extLst>
+          </p:nvPr>
+        </p:nvGraphicFramePr>
+        <p:xfrm>
+          <a:off x="3468420" y="2194716"/>
+          <a:ext cx="403860" cy="314280"/>
+        </p:xfrm>
+        <a:graphic>
+          <a:graphicData uri="http://schemas.openxmlformats.org/drawingml/2006/table">
+            <a:tbl>
+              <a:tblPr/>
+              <a:tblGrid>
+                <a:gridCol w="403860"/>
+              </a:tblGrid>
+              <a:tr h="314280">
+                <a:tc>
+                  <a:txBody>
+                    <a:bodyPr/>
+                    <a:lstStyle/>
+                    <a:p>
+                      <a:pPr algn="l">
+                        <a:lnSpc>
+                          <a:spcPct val="100000"/>
+                        </a:lnSpc>
+                      </a:pPr>
+                      <a:r>
+                        <a:rPr lang="en-US" sz="1400" b="0" strike="noStrike" spc="-1" dirty="0" smtClean="0">
+                          <a:solidFill>
+                            <a:srgbClr val="000000"/>
+                          </a:solidFill>
+                          <a:latin typeface="Times New Roman"/>
+                          <a:ea typeface="Noto Sans CJK SC"/>
+                        </a:rPr>
+                        <a:t>J</a:t>
+                      </a:r>
+                      <a:r>
+                        <a:rPr lang="en-US" sz="900" b="0" strike="noStrike" spc="-1" dirty="0" smtClean="0">
+                          <a:solidFill>
+                            <a:srgbClr val="000000"/>
+                          </a:solidFill>
+                          <a:latin typeface="Times New Roman"/>
+                          <a:ea typeface="Noto Sans CJK SC"/>
+                        </a:rPr>
+                        <a:t>2.1</a:t>
+                      </a:r>
+                      <a:endParaRPr lang="en-US" sz="900" b="0" strike="noStrike" spc="-1" dirty="0">
+                        <a:latin typeface="Arial"/>
+                      </a:endParaRPr>
+                    </a:p>
+                  </a:txBody>
+                  <a:tcPr>
+                    <a:lnL w="12240">
+                      <a:solidFill>
+                        <a:srgbClr val="000000"/>
+                      </a:solidFill>
+                    </a:lnL>
+                    <a:lnR w="12240">
+                      <a:solidFill>
+                        <a:srgbClr val="000000"/>
+                      </a:solidFill>
+                    </a:lnR>
+                    <a:lnT w="12240">
+                      <a:solidFill>
+                        <a:srgbClr val="000000"/>
+                      </a:solidFill>
+                    </a:lnT>
+                    <a:lnB w="12240">
+                      <a:solidFill>
+                        <a:srgbClr val="000000"/>
+                      </a:solidFill>
+                    </a:lnB>
+                    <a:solidFill>
+                      <a:schemeClr val="accent1">
+                        <a:lumMod val="40000"/>
+                        <a:lumOff val="60000"/>
+                      </a:schemeClr>
+                    </a:solidFill>
+                  </a:tcPr>
+                </a:tc>
+              </a:tr>
+            </a:tbl>
+          </a:graphicData>
+        </a:graphic>
+      </p:graphicFrame>
+      <p:graphicFrame>
+        <p:nvGraphicFramePr>
+          <p:cNvPr id="81" name="Table 1"/>
+          <p:cNvGraphicFramePr/>
+          <p:nvPr>
+            <p:extLst>
+              <p:ext uri="{D42A27DB-BD31-4B8C-83A1-F6EECF244321}">
+                <p14:modId xmlns:p14="http://schemas.microsoft.com/office/powerpoint/2010/main" val="107131522"/>
+              </p:ext>
+            </p:extLst>
+          </p:nvPr>
+        </p:nvGraphicFramePr>
+        <p:xfrm>
+          <a:off x="3872280" y="2194717"/>
+          <a:ext cx="400049" cy="314280"/>
+        </p:xfrm>
+        <a:graphic>
+          <a:graphicData uri="http://schemas.openxmlformats.org/drawingml/2006/table">
+            <a:tbl>
+              <a:tblPr/>
+              <a:tblGrid>
+                <a:gridCol w="400049"/>
+              </a:tblGrid>
+              <a:tr h="314280">
+                <a:tc>
+                  <a:txBody>
+                    <a:bodyPr/>
+                    <a:lstStyle/>
+                    <a:p>
+                      <a:pPr algn="l">
+                        <a:lnSpc>
+                          <a:spcPct val="100000"/>
+                        </a:lnSpc>
+                      </a:pPr>
+                      <a:r>
+                        <a:rPr lang="en-US" sz="1400" b="0" strike="noStrike" spc="-1" dirty="0" smtClean="0">
+                          <a:solidFill>
+                            <a:srgbClr val="000000"/>
+                          </a:solidFill>
+                          <a:latin typeface="Times New Roman"/>
+                          <a:ea typeface="Noto Sans CJK SC"/>
+                        </a:rPr>
+                        <a:t>J</a:t>
+                      </a:r>
+                      <a:r>
+                        <a:rPr lang="en-US" sz="900" b="0" strike="noStrike" spc="-1" dirty="0" smtClean="0">
+                          <a:solidFill>
+                            <a:srgbClr val="000000"/>
+                          </a:solidFill>
+                          <a:latin typeface="Times New Roman"/>
+                          <a:ea typeface="Noto Sans CJK SC"/>
+                        </a:rPr>
+                        <a:t>2.2</a:t>
+                      </a:r>
+                      <a:endParaRPr lang="en-US" sz="900" b="0" strike="noStrike" spc="-1" dirty="0">
+                        <a:latin typeface="Arial"/>
+                      </a:endParaRPr>
+                    </a:p>
+                  </a:txBody>
+                  <a:tcPr>
+                    <a:lnL w="12240">
+                      <a:solidFill>
+                        <a:srgbClr val="000000"/>
+                      </a:solidFill>
+                    </a:lnL>
+                    <a:lnR w="12240">
+                      <a:solidFill>
+                        <a:srgbClr val="000000"/>
+                      </a:solidFill>
+                    </a:lnR>
+                    <a:lnT w="12240">
+                      <a:solidFill>
+                        <a:srgbClr val="000000"/>
+                      </a:solidFill>
+                    </a:lnT>
+                    <a:lnB w="12240">
+                      <a:solidFill>
+                        <a:srgbClr val="000000"/>
+                      </a:solidFill>
+                    </a:lnB>
+                    <a:solidFill>
+                      <a:schemeClr val="accent1">
+                        <a:lumMod val="40000"/>
+                        <a:lumOff val="60000"/>
+                      </a:schemeClr>
+                    </a:solidFill>
+                  </a:tcPr>
+                </a:tc>
+              </a:tr>
+            </a:tbl>
+          </a:graphicData>
+        </a:graphic>
+      </p:graphicFrame>
+      <p:graphicFrame>
+        <p:nvGraphicFramePr>
+          <p:cNvPr id="82" name="Table 1"/>
+          <p:cNvGraphicFramePr/>
+          <p:nvPr>
+            <p:extLst>
+              <p:ext uri="{D42A27DB-BD31-4B8C-83A1-F6EECF244321}">
+                <p14:modId xmlns:p14="http://schemas.microsoft.com/office/powerpoint/2010/main" val="4065442830"/>
+              </p:ext>
+            </p:extLst>
+          </p:nvPr>
+        </p:nvGraphicFramePr>
+        <p:xfrm>
+          <a:off x="4267568" y="2194716"/>
+          <a:ext cx="330172" cy="314280"/>
+        </p:xfrm>
+        <a:graphic>
+          <a:graphicData uri="http://schemas.openxmlformats.org/drawingml/2006/table">
+            <a:tbl>
+              <a:tblPr/>
+              <a:tblGrid>
+                <a:gridCol w="330172"/>
+              </a:tblGrid>
+              <a:tr h="314280">
+                <a:tc>
+                  <a:txBody>
+                    <a:bodyPr/>
+                    <a:lstStyle/>
+                    <a:p>
+                      <a:pPr algn="l">
+                        <a:lnSpc>
+                          <a:spcPct val="100000"/>
+                        </a:lnSpc>
+                      </a:pPr>
+                      <a:r>
+                        <a:rPr lang="en-US" sz="1200" b="0" strike="noStrike" spc="-1" dirty="0" smtClean="0">
+                          <a:solidFill>
+                            <a:srgbClr val="000000"/>
+                          </a:solidFill>
+                          <a:latin typeface="Times New Roman"/>
+                          <a:ea typeface="Noto Sans CJK SC"/>
+                        </a:rPr>
+                        <a:t>...</a:t>
+                      </a:r>
+                      <a:endParaRPr lang="en-US" sz="1200" b="0" strike="noStrike" spc="-1" dirty="0">
+                        <a:latin typeface="Arial"/>
+                      </a:endParaRPr>
+                    </a:p>
+                  </a:txBody>
+                  <a:tcPr>
+                    <a:lnL w="12240">
+                      <a:solidFill>
+                        <a:srgbClr val="000000"/>
+                      </a:solidFill>
+                    </a:lnL>
+                    <a:lnR w="12240">
+                      <a:solidFill>
+                        <a:srgbClr val="000000"/>
+                      </a:solidFill>
+                    </a:lnR>
+                    <a:lnT w="12240">
+                      <a:solidFill>
+                        <a:srgbClr val="000000"/>
+                      </a:solidFill>
+                    </a:lnT>
+                    <a:lnB w="12240">
+                      <a:solidFill>
+                        <a:srgbClr val="000000"/>
+                      </a:solidFill>
+                    </a:lnB>
+                    <a:solidFill>
+                      <a:schemeClr val="accent1">
+                        <a:lumMod val="40000"/>
+                        <a:lumOff val="60000"/>
+                      </a:schemeClr>
+                    </a:solidFill>
+                  </a:tcPr>
+                </a:tc>
+              </a:tr>
+            </a:tbl>
+          </a:graphicData>
+        </a:graphic>
+      </p:graphicFrame>
+      <p:graphicFrame>
+        <p:nvGraphicFramePr>
+          <p:cNvPr id="83" name="Table 1"/>
+          <p:cNvGraphicFramePr/>
+          <p:nvPr>
+            <p:extLst>
+              <p:ext uri="{D42A27DB-BD31-4B8C-83A1-F6EECF244321}">
+                <p14:modId xmlns:p14="http://schemas.microsoft.com/office/powerpoint/2010/main" val="222116727"/>
+              </p:ext>
+            </p:extLst>
+          </p:nvPr>
+        </p:nvGraphicFramePr>
+        <p:xfrm>
+          <a:off x="4525862" y="2194717"/>
+          <a:ext cx="539911" cy="314280"/>
+        </p:xfrm>
+        <a:graphic>
+          <a:graphicData uri="http://schemas.openxmlformats.org/drawingml/2006/table">
+            <a:tbl>
+              <a:tblPr/>
+              <a:tblGrid>
+                <a:gridCol w="539911"/>
+              </a:tblGrid>
+              <a:tr h="314280">
+                <a:tc>
+                  <a:txBody>
+                    <a:bodyPr/>
+                    <a:lstStyle/>
+                    <a:p>
+                      <a:pPr algn="l">
+                        <a:lnSpc>
+                          <a:spcPct val="100000"/>
+                        </a:lnSpc>
+                      </a:pPr>
+                      <a:r>
+                        <a:rPr lang="en-US" sz="1400" b="0" strike="noStrike" spc="-1" dirty="0" smtClean="0">
+                          <a:solidFill>
+                            <a:srgbClr val="000000"/>
+                          </a:solidFill>
+                          <a:latin typeface="Times New Roman"/>
+                          <a:ea typeface="Noto Sans CJK SC"/>
+                        </a:rPr>
+                        <a:t>J</a:t>
+                      </a:r>
+                      <a:r>
+                        <a:rPr lang="en-US" sz="900" b="0" strike="noStrike" spc="-1" dirty="0" smtClean="0">
+                          <a:solidFill>
+                            <a:srgbClr val="000000"/>
+                          </a:solidFill>
+                          <a:latin typeface="Times New Roman"/>
+                          <a:ea typeface="Noto Sans CJK SC"/>
+                        </a:rPr>
+                        <a:t>2.</a:t>
+                      </a:r>
+                      <a:r>
+                        <a:rPr lang="en-US" sz="900" b="0" strike="noStrike" spc="-1" dirty="0" smtClean="0">
+                          <a:solidFill>
+                            <a:srgbClr val="000000"/>
+                          </a:solidFill>
+                          <a:latin typeface="Times New Roman"/>
+                        </a:rPr>
+                        <a:t> |N</a:t>
+                      </a:r>
+                      <a:r>
+                        <a:rPr lang="en-US" sz="600" b="0" strike="noStrike" spc="-1" dirty="0" smtClean="0">
+                          <a:solidFill>
+                            <a:srgbClr val="000000"/>
+                          </a:solidFill>
+                          <a:latin typeface="Times New Roman"/>
+                        </a:rPr>
+                        <a:t>2</a:t>
+                      </a:r>
+                      <a:r>
+                        <a:rPr lang="en-US" sz="900" b="0" strike="noStrike" spc="-1" dirty="0" smtClean="0">
+                          <a:solidFill>
+                            <a:srgbClr val="000000"/>
+                          </a:solidFill>
+                          <a:latin typeface="Times New Roman"/>
+                        </a:rPr>
+                        <a:t>|</a:t>
+                      </a:r>
+                      <a:endParaRPr lang="en-US" sz="900" b="0" strike="noStrike" spc="-1" dirty="0">
+                        <a:latin typeface="Arial"/>
+                      </a:endParaRPr>
+                    </a:p>
+                  </a:txBody>
+                  <a:tcPr>
+                    <a:lnL w="12240">
+                      <a:solidFill>
+                        <a:srgbClr val="000000"/>
+                      </a:solidFill>
+                    </a:lnL>
+                    <a:lnR w="12240">
+                      <a:solidFill>
+                        <a:srgbClr val="000000"/>
+                      </a:solidFill>
+                    </a:lnR>
+                    <a:lnT w="12240">
+                      <a:solidFill>
+                        <a:srgbClr val="000000"/>
+                      </a:solidFill>
+                    </a:lnT>
+                    <a:lnB w="12240">
+                      <a:solidFill>
+                        <a:srgbClr val="000000"/>
+                      </a:solidFill>
+                    </a:lnB>
+                    <a:solidFill>
+                      <a:schemeClr val="accent1">
+                        <a:lumMod val="40000"/>
+                        <a:lumOff val="60000"/>
+                      </a:schemeClr>
+                    </a:solidFill>
+                  </a:tcPr>
+                </a:tc>
+              </a:tr>
+            </a:tbl>
+          </a:graphicData>
+        </a:graphic>
+      </p:graphicFrame>
+      <p:graphicFrame>
+        <p:nvGraphicFramePr>
+          <p:cNvPr id="84" name="Table 1"/>
+          <p:cNvGraphicFramePr/>
+          <p:nvPr>
+            <p:extLst>
+              <p:ext uri="{D42A27DB-BD31-4B8C-83A1-F6EECF244321}">
+                <p14:modId xmlns:p14="http://schemas.microsoft.com/office/powerpoint/2010/main" val="2730894240"/>
+              </p:ext>
+            </p:extLst>
+          </p:nvPr>
+        </p:nvGraphicFramePr>
+        <p:xfrm>
+          <a:off x="5311148" y="2196585"/>
+          <a:ext cx="403860" cy="314280"/>
+        </p:xfrm>
+        <a:graphic>
+          <a:graphicData uri="http://schemas.openxmlformats.org/drawingml/2006/table">
+            <a:tbl>
+              <a:tblPr/>
+              <a:tblGrid>
+                <a:gridCol w="403860"/>
+              </a:tblGrid>
+              <a:tr h="314280">
+                <a:tc>
+                  <a:txBody>
+                    <a:bodyPr/>
+                    <a:lstStyle/>
+                    <a:p>
+                      <a:pPr algn="l">
+                        <a:lnSpc>
+                          <a:spcPct val="100000"/>
+                        </a:lnSpc>
+                      </a:pPr>
+                      <a:r>
+                        <a:rPr lang="en-US" sz="1400" b="0" strike="noStrike" spc="-1" dirty="0" smtClean="0">
+                          <a:solidFill>
+                            <a:srgbClr val="000000"/>
+                          </a:solidFill>
+                          <a:latin typeface="Times New Roman"/>
+                          <a:ea typeface="Noto Sans CJK SC"/>
+                        </a:rPr>
+                        <a:t>J</a:t>
+                      </a:r>
+                      <a:r>
+                        <a:rPr lang="en-US" sz="900" b="0" strike="noStrike" spc="-1" dirty="0" smtClean="0">
+                          <a:solidFill>
+                            <a:srgbClr val="000000"/>
+                          </a:solidFill>
+                          <a:latin typeface="Times New Roman"/>
+                          <a:ea typeface="Noto Sans CJK SC"/>
+                        </a:rPr>
+                        <a:t>k.1</a:t>
+                      </a:r>
+                      <a:endParaRPr lang="en-US" sz="900" b="0" strike="noStrike" spc="-1" dirty="0">
+                        <a:latin typeface="Arial"/>
+                      </a:endParaRPr>
+                    </a:p>
+                  </a:txBody>
+                  <a:tcPr>
+                    <a:lnL w="12240">
+                      <a:solidFill>
+                        <a:srgbClr val="000000"/>
+                      </a:solidFill>
+                    </a:lnL>
+                    <a:lnR w="12240">
+                      <a:solidFill>
+                        <a:srgbClr val="000000"/>
+                      </a:solidFill>
+                    </a:lnR>
+                    <a:lnT w="12240">
+                      <a:solidFill>
+                        <a:srgbClr val="000000"/>
+                      </a:solidFill>
+                    </a:lnT>
+                    <a:lnB w="12240">
+                      <a:solidFill>
+                        <a:srgbClr val="000000"/>
+                      </a:solidFill>
+                    </a:lnB>
+                    <a:solidFill>
+                      <a:schemeClr val="accent5">
+                        <a:lumMod val="40000"/>
+                        <a:lumOff val="60000"/>
+                      </a:schemeClr>
+                    </a:solidFill>
+                  </a:tcPr>
+                </a:tc>
+              </a:tr>
+            </a:tbl>
+          </a:graphicData>
+        </a:graphic>
+      </p:graphicFrame>
+      <p:graphicFrame>
+        <p:nvGraphicFramePr>
+          <p:cNvPr id="85" name="Table 1"/>
+          <p:cNvGraphicFramePr/>
+          <p:nvPr>
+            <p:extLst>
+              <p:ext uri="{D42A27DB-BD31-4B8C-83A1-F6EECF244321}">
+                <p14:modId xmlns:p14="http://schemas.microsoft.com/office/powerpoint/2010/main" val="519300438"/>
+              </p:ext>
+            </p:extLst>
+          </p:nvPr>
+        </p:nvGraphicFramePr>
+        <p:xfrm>
+          <a:off x="5715008" y="2196586"/>
+          <a:ext cx="400049" cy="314280"/>
+        </p:xfrm>
+        <a:graphic>
+          <a:graphicData uri="http://schemas.openxmlformats.org/drawingml/2006/table">
+            <a:tbl>
+              <a:tblPr/>
+              <a:tblGrid>
+                <a:gridCol w="400049"/>
+              </a:tblGrid>
+              <a:tr h="314280">
+                <a:tc>
+                  <a:txBody>
+                    <a:bodyPr/>
+                    <a:lstStyle/>
+                    <a:p>
+                      <a:pPr algn="l">
+                        <a:lnSpc>
+                          <a:spcPct val="100000"/>
+                        </a:lnSpc>
+                      </a:pPr>
+                      <a:r>
+                        <a:rPr lang="en-US" sz="1400" b="0" strike="noStrike" spc="-1" dirty="0" smtClean="0">
+                          <a:solidFill>
+                            <a:srgbClr val="000000"/>
+                          </a:solidFill>
+                          <a:latin typeface="Times New Roman"/>
+                          <a:ea typeface="Noto Sans CJK SC"/>
+                        </a:rPr>
+                        <a:t>J</a:t>
+                      </a:r>
+                      <a:r>
+                        <a:rPr lang="en-US" sz="900" b="0" strike="noStrike" spc="-1" dirty="0" smtClean="0">
+                          <a:solidFill>
+                            <a:srgbClr val="000000"/>
+                          </a:solidFill>
+                          <a:latin typeface="Times New Roman"/>
+                          <a:ea typeface="Noto Sans CJK SC"/>
+                        </a:rPr>
+                        <a:t>k.2</a:t>
+                      </a:r>
+                      <a:endParaRPr lang="en-US" sz="900" b="0" strike="noStrike" spc="-1" dirty="0">
+                        <a:latin typeface="Arial"/>
+                      </a:endParaRPr>
+                    </a:p>
+                  </a:txBody>
+                  <a:tcPr>
+                    <a:lnL w="12240">
+                      <a:solidFill>
+                        <a:srgbClr val="000000"/>
+                      </a:solidFill>
+                    </a:lnL>
+                    <a:lnR w="12240">
+                      <a:solidFill>
+                        <a:srgbClr val="000000"/>
+                      </a:solidFill>
+                    </a:lnR>
+                    <a:lnT w="12240">
+                      <a:solidFill>
+                        <a:srgbClr val="000000"/>
+                      </a:solidFill>
+                    </a:lnT>
+                    <a:lnB w="12240">
+                      <a:solidFill>
+                        <a:srgbClr val="000000"/>
+                      </a:solidFill>
+                    </a:lnB>
+                    <a:solidFill>
+                      <a:schemeClr val="accent5">
+                        <a:lumMod val="40000"/>
+                        <a:lumOff val="60000"/>
+                      </a:schemeClr>
+                    </a:solidFill>
+                  </a:tcPr>
+                </a:tc>
+              </a:tr>
+            </a:tbl>
+          </a:graphicData>
+        </a:graphic>
+      </p:graphicFrame>
+      <p:graphicFrame>
+        <p:nvGraphicFramePr>
+          <p:cNvPr id="86" name="Table 1"/>
+          <p:cNvGraphicFramePr/>
+          <p:nvPr>
+            <p:extLst>
+              <p:ext uri="{D42A27DB-BD31-4B8C-83A1-F6EECF244321}">
+                <p14:modId xmlns:p14="http://schemas.microsoft.com/office/powerpoint/2010/main" val="2928784411"/>
+              </p:ext>
+            </p:extLst>
+          </p:nvPr>
+        </p:nvGraphicFramePr>
+        <p:xfrm>
+          <a:off x="6110296" y="2196585"/>
+          <a:ext cx="330172" cy="314280"/>
+        </p:xfrm>
+        <a:graphic>
+          <a:graphicData uri="http://schemas.openxmlformats.org/drawingml/2006/table">
+            <a:tbl>
+              <a:tblPr/>
+              <a:tblGrid>
+                <a:gridCol w="330172"/>
+              </a:tblGrid>
+              <a:tr h="314280">
+                <a:tc>
+                  <a:txBody>
+                    <a:bodyPr/>
+                    <a:lstStyle/>
+                    <a:p>
+                      <a:pPr algn="l">
+                        <a:lnSpc>
+                          <a:spcPct val="100000"/>
+                        </a:lnSpc>
+                      </a:pPr>
+                      <a:r>
+                        <a:rPr lang="en-US" sz="1200" b="0" strike="noStrike" spc="-1" dirty="0" smtClean="0">
+                          <a:solidFill>
+                            <a:srgbClr val="000000"/>
+                          </a:solidFill>
+                          <a:latin typeface="Times New Roman"/>
+                          <a:ea typeface="Noto Sans CJK SC"/>
+                        </a:rPr>
+                        <a:t>...</a:t>
+                      </a:r>
+                      <a:endParaRPr lang="en-US" sz="1200" b="0" strike="noStrike" spc="-1" dirty="0">
+                        <a:latin typeface="Arial"/>
+                      </a:endParaRPr>
+                    </a:p>
+                  </a:txBody>
+                  <a:tcPr>
+                    <a:lnL w="12240">
+                      <a:solidFill>
+                        <a:srgbClr val="000000"/>
+                      </a:solidFill>
+                    </a:lnL>
+                    <a:lnR w="12240">
+                      <a:solidFill>
+                        <a:srgbClr val="000000"/>
+                      </a:solidFill>
+                    </a:lnR>
+                    <a:lnT w="12240">
+                      <a:solidFill>
+                        <a:srgbClr val="000000"/>
+                      </a:solidFill>
+                    </a:lnT>
+                    <a:lnB w="12240">
+                      <a:solidFill>
+                        <a:srgbClr val="000000"/>
+                      </a:solidFill>
+                    </a:lnB>
+                    <a:solidFill>
+                      <a:schemeClr val="accent5">
+                        <a:lumMod val="40000"/>
+                        <a:lumOff val="60000"/>
+                      </a:schemeClr>
+                    </a:solidFill>
+                  </a:tcPr>
+                </a:tc>
+              </a:tr>
+            </a:tbl>
+          </a:graphicData>
+        </a:graphic>
+      </p:graphicFrame>
+      <p:graphicFrame>
+        <p:nvGraphicFramePr>
+          <p:cNvPr id="87" name="Table 1"/>
+          <p:cNvGraphicFramePr/>
+          <p:nvPr>
+            <p:extLst>
+              <p:ext uri="{D42A27DB-BD31-4B8C-83A1-F6EECF244321}">
+                <p14:modId xmlns:p14="http://schemas.microsoft.com/office/powerpoint/2010/main" val="1576759099"/>
+              </p:ext>
+            </p:extLst>
+          </p:nvPr>
+        </p:nvGraphicFramePr>
+        <p:xfrm>
+          <a:off x="6368590" y="2196586"/>
+          <a:ext cx="539911" cy="314280"/>
+        </p:xfrm>
+        <a:graphic>
+          <a:graphicData uri="http://schemas.openxmlformats.org/drawingml/2006/table">
+            <a:tbl>
+              <a:tblPr/>
+              <a:tblGrid>
+                <a:gridCol w="539911"/>
+              </a:tblGrid>
+              <a:tr h="314280">
+                <a:tc>
+                  <a:txBody>
+                    <a:bodyPr/>
+                    <a:lstStyle/>
+                    <a:p>
+                      <a:pPr algn="l">
+                        <a:lnSpc>
+                          <a:spcPct val="100000"/>
+                        </a:lnSpc>
+                      </a:pPr>
+                      <a:r>
+                        <a:rPr lang="en-US" sz="1400" b="0" strike="noStrike" spc="-1" dirty="0" smtClean="0">
+                          <a:solidFill>
+                            <a:srgbClr val="000000"/>
+                          </a:solidFill>
+                          <a:latin typeface="Times New Roman"/>
+                          <a:ea typeface="Noto Sans CJK SC"/>
+                        </a:rPr>
+                        <a:t>J</a:t>
+                      </a:r>
+                      <a:r>
+                        <a:rPr lang="en-US" sz="900" b="0" strike="noStrike" spc="-1" dirty="0" smtClean="0">
+                          <a:solidFill>
+                            <a:srgbClr val="000000"/>
+                          </a:solidFill>
+                          <a:latin typeface="Times New Roman"/>
+                          <a:ea typeface="Noto Sans CJK SC"/>
+                        </a:rPr>
+                        <a:t>k.</a:t>
+                      </a:r>
+                      <a:r>
+                        <a:rPr lang="en-US" sz="900" b="0" strike="noStrike" spc="-1" dirty="0" smtClean="0">
+                          <a:solidFill>
+                            <a:srgbClr val="000000"/>
+                          </a:solidFill>
+                          <a:latin typeface="Times New Roman"/>
+                        </a:rPr>
+                        <a:t> |N</a:t>
+                      </a:r>
+                      <a:r>
+                        <a:rPr lang="en-US" sz="600" b="0" strike="noStrike" spc="-1" dirty="0" smtClean="0">
+                          <a:solidFill>
+                            <a:srgbClr val="000000"/>
+                          </a:solidFill>
+                          <a:latin typeface="Times New Roman"/>
+                        </a:rPr>
+                        <a:t>k</a:t>
+                      </a:r>
+                      <a:r>
+                        <a:rPr lang="en-US" sz="900" b="0" strike="noStrike" spc="-1" dirty="0" smtClean="0">
+                          <a:solidFill>
+                            <a:srgbClr val="000000"/>
+                          </a:solidFill>
+                          <a:latin typeface="Times New Roman"/>
+                        </a:rPr>
+                        <a:t>|</a:t>
+                      </a:r>
+                      <a:endParaRPr lang="en-US" sz="900" b="0" strike="noStrike" spc="-1" dirty="0">
+                        <a:latin typeface="Arial"/>
+                      </a:endParaRPr>
+                    </a:p>
+                  </a:txBody>
+                  <a:tcPr>
+                    <a:lnL w="12240">
+                      <a:solidFill>
+                        <a:srgbClr val="000000"/>
+                      </a:solidFill>
+                    </a:lnL>
+                    <a:lnR w="12240">
+                      <a:solidFill>
+                        <a:srgbClr val="000000"/>
+                      </a:solidFill>
+                    </a:lnR>
+                    <a:lnT w="12240">
+                      <a:solidFill>
+                        <a:srgbClr val="000000"/>
+                      </a:solidFill>
+                    </a:lnT>
+                    <a:lnB w="12240">
+                      <a:solidFill>
+                        <a:srgbClr val="000000"/>
+                      </a:solidFill>
+                    </a:lnB>
+                    <a:solidFill>
+                      <a:schemeClr val="accent5">
+                        <a:lumMod val="40000"/>
+                        <a:lumOff val="60000"/>
+                      </a:schemeClr>
+                    </a:solidFill>
+                  </a:tcPr>
+                </a:tc>
+              </a:tr>
+            </a:tbl>
+          </a:graphicData>
+        </a:graphic>
+      </p:graphicFrame>
+      <p:cxnSp>
+        <p:nvCxnSpPr>
+          <p:cNvPr id="4" name="Conector de seta reta 3"/>
+          <p:cNvCxnSpPr/>
+          <p:nvPr/>
+        </p:nvCxnSpPr>
+        <p:spPr>
+          <a:xfrm flipV="1">
+            <a:off x="3466704" y="2651760"/>
+            <a:ext cx="396" cy="100710"/>
+          </a:xfrm>
+          <a:prstGeom prst="straightConnector1">
+            <a:avLst/>
+          </a:prstGeom>
+          <a:ln>
+            <a:solidFill>
+              <a:schemeClr val="tx1"/>
+            </a:solidFill>
+            <a:tailEnd type="triangle" w="med" len="sm"/>
+          </a:ln>
+        </p:spPr>
+        <p:style>
+          <a:lnRef idx="1">
+            <a:schemeClr val="accent1"/>
+          </a:lnRef>
+          <a:fillRef idx="0">
+            <a:schemeClr val="accent1"/>
+          </a:fillRef>
+          <a:effectRef idx="0">
+            <a:schemeClr val="accent1"/>
+          </a:effectRef>
+          <a:fontRef idx="minor">
+            <a:schemeClr val="tx1"/>
+          </a:fontRef>
+        </p:style>
+      </p:cxnSp>
+      <p:cxnSp>
+        <p:nvCxnSpPr>
+          <p:cNvPr id="91" name="Conector de seta reta 90"/>
+          <p:cNvCxnSpPr/>
+          <p:nvPr/>
+        </p:nvCxnSpPr>
+        <p:spPr>
+          <a:xfrm flipV="1">
+            <a:off x="5051256" y="2627966"/>
+            <a:ext cx="396" cy="100710"/>
+          </a:xfrm>
+          <a:prstGeom prst="straightConnector1">
+            <a:avLst/>
+          </a:prstGeom>
+          <a:ln>
+            <a:solidFill>
+              <a:schemeClr val="tx1"/>
+            </a:solidFill>
+            <a:tailEnd type="triangle" w="med" len="sm"/>
+          </a:ln>
+        </p:spPr>
+        <p:style>
+          <a:lnRef idx="1">
+            <a:schemeClr val="accent1"/>
+          </a:lnRef>
+          <a:fillRef idx="0">
+            <a:schemeClr val="accent1"/>
+          </a:fillRef>
+          <a:effectRef idx="0">
+            <a:schemeClr val="accent1"/>
+          </a:effectRef>
+          <a:fontRef idx="minor">
+            <a:schemeClr val="tx1"/>
+          </a:fontRef>
+        </p:style>
+      </p:cxnSp>
+      <p:cxnSp>
+        <p:nvCxnSpPr>
+          <p:cNvPr id="92" name="Conector de seta reta 91"/>
+          <p:cNvCxnSpPr/>
+          <p:nvPr/>
+        </p:nvCxnSpPr>
+        <p:spPr>
+          <a:xfrm flipV="1">
+            <a:off x="6912011" y="2722689"/>
+            <a:ext cx="396" cy="100710"/>
+          </a:xfrm>
+          <a:prstGeom prst="straightConnector1">
+            <a:avLst/>
+          </a:prstGeom>
+          <a:ln>
+            <a:solidFill>
+              <a:schemeClr val="tx1"/>
+            </a:solidFill>
+            <a:tailEnd type="triangle" w="med" len="sm"/>
+          </a:ln>
+        </p:spPr>
+        <p:style>
+          <a:lnRef idx="1">
+            <a:schemeClr val="accent1"/>
+          </a:lnRef>
+          <a:fillRef idx="0">
+            <a:schemeClr val="accent1"/>
+          </a:fillRef>
+          <a:effectRef idx="0">
+            <a:schemeClr val="accent1"/>
+          </a:effectRef>
+          <a:fontRef idx="minor">
+            <a:schemeClr val="tx1"/>
+          </a:fontRef>
+        </p:style>
+      </p:cxnSp>
+      <p:cxnSp>
+        <p:nvCxnSpPr>
+          <p:cNvPr id="93" name="Conector de seta reta 92"/>
+          <p:cNvCxnSpPr/>
+          <p:nvPr/>
+        </p:nvCxnSpPr>
+        <p:spPr>
+          <a:xfrm>
+            <a:off x="3466704" y="2038350"/>
+            <a:ext cx="0" cy="96061"/>
+          </a:xfrm>
+          <a:prstGeom prst="straightConnector1">
+            <a:avLst/>
+          </a:prstGeom>
+          <a:ln>
+            <a:solidFill>
+              <a:schemeClr val="tx1"/>
+            </a:solidFill>
+            <a:tailEnd type="triangle" w="med" len="sm"/>
+          </a:ln>
+        </p:spPr>
+        <p:style>
+          <a:lnRef idx="1">
+            <a:schemeClr val="accent1"/>
+          </a:lnRef>
+          <a:fillRef idx="0">
+            <a:schemeClr val="accent1"/>
+          </a:fillRef>
+          <a:effectRef idx="0">
+            <a:schemeClr val="accent1"/>
+          </a:effectRef>
+          <a:fontRef idx="minor">
+            <a:schemeClr val="tx1"/>
+          </a:fontRef>
+        </p:style>
+      </p:cxnSp>
+      <p:cxnSp>
+        <p:nvCxnSpPr>
+          <p:cNvPr id="98" name="Conector de seta reta 97"/>
+          <p:cNvCxnSpPr/>
+          <p:nvPr/>
+        </p:nvCxnSpPr>
+        <p:spPr>
+          <a:xfrm>
+            <a:off x="5051256" y="2032225"/>
+            <a:ext cx="0" cy="96061"/>
+          </a:xfrm>
+          <a:prstGeom prst="straightConnector1">
+            <a:avLst/>
+          </a:prstGeom>
+          <a:ln>
+            <a:solidFill>
+              <a:schemeClr val="tx1"/>
+            </a:solidFill>
+            <a:tailEnd type="triangle" w="med" len="sm"/>
+          </a:ln>
+        </p:spPr>
+        <p:style>
+          <a:lnRef idx="1">
+            <a:schemeClr val="accent1"/>
+          </a:lnRef>
+          <a:fillRef idx="0">
+            <a:schemeClr val="accent1"/>
+          </a:fillRef>
+          <a:effectRef idx="0">
+            <a:schemeClr val="accent1"/>
+          </a:effectRef>
+          <a:fontRef idx="minor">
+            <a:schemeClr val="tx1"/>
+          </a:fontRef>
+        </p:style>
+      </p:cxnSp>
+      <p:cxnSp>
+        <p:nvCxnSpPr>
+          <p:cNvPr id="99" name="Conector de seta reta 98"/>
+          <p:cNvCxnSpPr/>
+          <p:nvPr/>
+        </p:nvCxnSpPr>
+        <p:spPr>
+          <a:xfrm>
+            <a:off x="6911615" y="2032225"/>
+            <a:ext cx="0" cy="96061"/>
+          </a:xfrm>
+          <a:prstGeom prst="straightConnector1">
+            <a:avLst/>
+          </a:prstGeom>
+          <a:ln>
+            <a:solidFill>
+              <a:schemeClr val="tx1"/>
+            </a:solidFill>
+            <a:tailEnd type="triangle" w="med" len="sm"/>
+          </a:ln>
+        </p:spPr>
+        <p:style>
+          <a:lnRef idx="1">
+            <a:schemeClr val="accent1"/>
+          </a:lnRef>
+          <a:fillRef idx="0">
+            <a:schemeClr val="accent1"/>
+          </a:fillRef>
+          <a:effectRef idx="0">
+            <a:schemeClr val="accent1"/>
+          </a:effectRef>
+          <a:fontRef idx="minor">
+            <a:schemeClr val="tx1"/>
+          </a:fontRef>
+        </p:style>
+      </p:cxnSp>
     </p:spTree>
   </p:cSld>
   <p:clrMapOvr>
@@ -9978,21 +10951,21 @@
           <p:nvPr>
             <p:extLst>
               <p:ext uri="{D42A27DB-BD31-4B8C-83A1-F6EECF244321}">
-                <p14:modId xmlns:p14="http://schemas.microsoft.com/office/powerpoint/2010/main" val="3418075481"/>
+                <p14:modId xmlns:p14="http://schemas.microsoft.com/office/powerpoint/2010/main" val="3139330010"/>
               </p:ext>
             </p:extLst>
           </p:nvPr>
         </p:nvGraphicFramePr>
         <p:xfrm>
-          <a:off x="1920240" y="2193480"/>
-          <a:ext cx="1441620" cy="314280"/>
+          <a:off x="1920241" y="2193480"/>
+          <a:ext cx="351472" cy="314280"/>
         </p:xfrm>
         <a:graphic>
           <a:graphicData uri="http://schemas.openxmlformats.org/drawingml/2006/table">
             <a:tbl>
               <a:tblPr/>
               <a:tblGrid>
-                <a:gridCol w="1441620"/>
+                <a:gridCol w="351472"/>
               </a:tblGrid>
               <a:tr h="314280">
                 <a:tc>
@@ -10012,43 +10985,7 @@
                           </a:solidFill>
                           <a:latin typeface="Times New Roman"/>
                         </a:rPr>
-                        <a:t>J</a:t>
-                      </a:r>
-                      <a:r>
-                        <a:rPr lang="en-US" sz="1100" b="0" strike="noStrike" spc="-1" dirty="0" smtClean="0">
-                          <a:solidFill>
-                            <a:srgbClr val="000000"/>
-                          </a:solidFill>
-                          <a:latin typeface="Times New Roman"/>
-                        </a:rPr>
                         <a:t>5</a:t>
-                      </a:r>
-                      <a:r>
-                        <a:rPr lang="en-US" sz="1400" b="0" strike="noStrike" spc="-1" dirty="0" smtClean="0">
-                          <a:solidFill>
-                            <a:srgbClr val="000000"/>
-                          </a:solidFill>
-                          <a:latin typeface="Times New Roman"/>
-                        </a:rPr>
-                        <a:t>,</a:t>
-                      </a:r>
-                      <a:r>
-                        <a:rPr lang="en-US" sz="1400" b="0" strike="noStrike" spc="-1" baseline="0" dirty="0" smtClean="0">
-                          <a:solidFill>
-                            <a:srgbClr val="000000"/>
-                          </a:solidFill>
-                          <a:latin typeface="Times New Roman"/>
-                        </a:rPr>
-                        <a:t> J</a:t>
-                      </a:r>
-                      <a:r>
-                        <a:rPr lang="en-US" sz="1100" b="0" strike="noStrike" spc="-1" baseline="0" dirty="0" smtClean="0">
-                          <a:solidFill>
-                            <a:srgbClr val="000000"/>
-                          </a:solidFill>
-                          <a:latin typeface="Times New Roman"/>
-                        </a:rPr>
-                        <a:t>3</a:t>
                       </a:r>
                       <a:endParaRPr lang="en-US" sz="700" b="0" strike="noStrike" spc="-1" dirty="0">
                         <a:latin typeface="Arial"/>
@@ -10077,9 +11014,8 @@
                       </a:solidFill>
                     </a:lnB>
                     <a:solidFill>
-                      <a:schemeClr val="accent4">
-                        <a:lumMod val="40000"/>
-                        <a:lumOff val="60000"/>
+                      <a:schemeClr val="bg1">
+                        <a:lumMod val="95000"/>
                       </a:schemeClr>
                     </a:solidFill>
                   </a:tcPr>
@@ -10097,7 +11033,7 @@
         </p:nvGrpSpPr>
         <p:grpSpPr>
           <a:xfrm>
-            <a:off x="1890000" y="2549160"/>
+            <a:off x="1942754" y="3898940"/>
             <a:ext cx="4968000" cy="54000"/>
             <a:chOff x="1890000" y="2549160"/>
             <a:chExt cx="4968000" cy="54000"/>
@@ -10122,6 +11058,7 @@
                 <a:schemeClr val="tx1"/>
               </a:solidFill>
               <a:round/>
+              <a:tailEnd type="none"/>
             </a:ln>
           </p:spPr>
           <p:style>
@@ -10156,6 +11093,7 @@
                 <a:schemeClr val="tx1"/>
               </a:solidFill>
               <a:round/>
+              <a:tailEnd type="none"/>
             </a:ln>
           </p:spPr>
           <p:style>
@@ -10190,6 +11128,7 @@
                 <a:schemeClr val="tx1"/>
               </a:solidFill>
               <a:round/>
+              <a:tailEnd type="none"/>
             </a:ln>
           </p:spPr>
           <p:style>
@@ -10224,6 +11163,7 @@
                 <a:schemeClr val="tx1"/>
               </a:solidFill>
               <a:round/>
+              <a:tailEnd type="none"/>
             </a:ln>
           </p:spPr>
           <p:style>
@@ -10258,6 +11198,7 @@
                 <a:schemeClr val="tx1"/>
               </a:solidFill>
               <a:round/>
+              <a:tailEnd type="none"/>
             </a:ln>
           </p:spPr>
           <p:style>
@@ -10292,6 +11233,7 @@
                 <a:schemeClr val="tx1"/>
               </a:solidFill>
               <a:round/>
+              <a:tailEnd type="none"/>
             </a:ln>
           </p:spPr>
           <p:style>
@@ -10326,6 +11268,7 @@
                 <a:schemeClr val="tx1"/>
               </a:solidFill>
               <a:round/>
+              <a:tailEnd type="none"/>
             </a:ln>
           </p:spPr>
           <p:style>
@@ -10360,6 +11303,7 @@
                 <a:schemeClr val="tx1"/>
               </a:solidFill>
               <a:round/>
+              <a:tailEnd type="none"/>
             </a:ln>
           </p:spPr>
           <p:style>
@@ -10394,6 +11338,7 @@
                 <a:schemeClr val="tx1"/>
               </a:solidFill>
               <a:round/>
+              <a:tailEnd type="none"/>
             </a:ln>
           </p:spPr>
           <p:style>
@@ -10428,6 +11373,7 @@
                 <a:schemeClr val="tx1"/>
               </a:solidFill>
               <a:round/>
+              <a:tailEnd type="none"/>
             </a:ln>
           </p:spPr>
           <p:style>
@@ -10462,6 +11408,7 @@
                 <a:schemeClr val="tx1"/>
               </a:solidFill>
               <a:round/>
+              <a:tailEnd type="none"/>
             </a:ln>
           </p:spPr>
           <p:style>
@@ -10496,6 +11443,7 @@
                 <a:schemeClr val="tx1"/>
               </a:solidFill>
               <a:round/>
+              <a:tailEnd type="none"/>
             </a:ln>
           </p:spPr>
           <p:style>
@@ -10530,6 +11478,7 @@
                 <a:schemeClr val="tx1"/>
               </a:solidFill>
               <a:round/>
+              <a:tailEnd type="none"/>
             </a:ln>
           </p:spPr>
           <p:style>
@@ -10564,6 +11513,7 @@
                 <a:schemeClr val="tx1"/>
               </a:solidFill>
               <a:round/>
+              <a:tailEnd type="none"/>
             </a:ln>
           </p:spPr>
           <p:style>
@@ -10598,6 +11548,7 @@
                 <a:schemeClr val="tx1"/>
               </a:solidFill>
               <a:round/>
+              <a:tailEnd type="none"/>
             </a:ln>
           </p:spPr>
           <p:style>
@@ -10632,6 +11583,7 @@
                 <a:schemeClr val="tx1"/>
               </a:solidFill>
               <a:round/>
+              <a:tailEnd type="none"/>
             </a:ln>
           </p:spPr>
           <p:style>
@@ -10666,6 +11618,7 @@
                 <a:schemeClr val="tx1"/>
               </a:solidFill>
               <a:round/>
+              <a:tailEnd type="none"/>
             </a:ln>
           </p:spPr>
           <p:style>
@@ -10700,6 +11653,7 @@
                 <a:schemeClr val="tx1"/>
               </a:solidFill>
               <a:round/>
+              <a:tailEnd type="none"/>
             </a:ln>
           </p:spPr>
           <p:style>
@@ -10734,6 +11688,7 @@
                 <a:schemeClr val="tx1"/>
               </a:solidFill>
               <a:round/>
+              <a:tailEnd type="none"/>
             </a:ln>
           </p:spPr>
           <p:style>
@@ -10768,6 +11723,7 @@
                 <a:schemeClr val="tx1"/>
               </a:solidFill>
               <a:round/>
+              <a:tailEnd type="none"/>
             </a:ln>
           </p:spPr>
           <p:style>
@@ -10802,6 +11758,7 @@
                 <a:schemeClr val="tx1"/>
               </a:solidFill>
               <a:round/>
+              <a:tailEnd type="none"/>
             </a:ln>
           </p:spPr>
           <p:style>
@@ -10836,6 +11793,7 @@
                 <a:schemeClr val="tx1"/>
               </a:solidFill>
               <a:round/>
+              <a:tailEnd type="none"/>
             </a:ln>
           </p:spPr>
           <p:style>
@@ -11623,7 +12581,7 @@
         </p:nvSpPr>
         <p:spPr>
           <a:xfrm>
-            <a:off x="3200400" y="1920240"/>
+            <a:off x="2338380" y="1905760"/>
             <a:ext cx="322920" cy="331920"/>
           </a:xfrm>
           <a:prstGeom prst="rect">
@@ -11686,21 +12644,21 @@
           <p:nvPr>
             <p:extLst>
               <p:ext uri="{D42A27DB-BD31-4B8C-83A1-F6EECF244321}">
-                <p14:modId xmlns:p14="http://schemas.microsoft.com/office/powerpoint/2010/main" val="2531786705"/>
+                <p14:modId xmlns:p14="http://schemas.microsoft.com/office/powerpoint/2010/main" val="1749735127"/>
               </p:ext>
             </p:extLst>
           </p:nvPr>
         </p:nvGraphicFramePr>
         <p:xfrm>
-          <a:off x="3361860" y="2195513"/>
-          <a:ext cx="1505880" cy="312738"/>
+          <a:off x="2521526" y="2194785"/>
+          <a:ext cx="383593" cy="312738"/>
         </p:xfrm>
         <a:graphic>
           <a:graphicData uri="http://schemas.openxmlformats.org/drawingml/2006/table">
             <a:tbl>
               <a:tblPr/>
               <a:tblGrid>
-                <a:gridCol w="1505880"/>
+                <a:gridCol w="383593"/>
               </a:tblGrid>
               <a:tr h="312738">
                 <a:tc>
@@ -11720,36 +12678,9 @@
                           </a:solidFill>
                           <a:latin typeface="Times New Roman"/>
                         </a:rPr>
-                        <a:t>J</a:t>
-                      </a:r>
-                      <a:r>
-                        <a:rPr lang="en-US" sz="1100" b="0" strike="noStrike" spc="-1" dirty="0" smtClean="0">
-                          <a:solidFill>
-                            <a:srgbClr val="000000"/>
-                          </a:solidFill>
-                          <a:latin typeface="Times New Roman"/>
-                        </a:rPr>
                         <a:t>6</a:t>
                       </a:r>
-                      <a:r>
-                        <a:rPr lang="en-US" sz="1400" b="0" strike="noStrike" spc="-1" dirty="0" smtClean="0">
-                          <a:solidFill>
-                            <a:srgbClr val="000000"/>
-                          </a:solidFill>
-                          <a:latin typeface="Times New Roman"/>
-                        </a:rPr>
-                        <a:t>, J</a:t>
-                      </a:r>
-                      <a:r>
-                        <a:rPr lang="en-US" sz="1100" b="0" strike="noStrike" spc="-1" dirty="0" smtClean="0">
-                          <a:solidFill>
-                            <a:srgbClr val="000000"/>
-                          </a:solidFill>
-                          <a:latin typeface="Times New Roman"/>
-                        </a:rPr>
-                        <a:t>2</a:t>
-                      </a:r>
-                      <a:endParaRPr lang="en-US" sz="700" b="0" strike="noStrike" spc="-1" dirty="0">
+                      <a:endParaRPr lang="en-US" sz="900" b="0" strike="noStrike" spc="-1" dirty="0">
                         <a:latin typeface="Arial"/>
                       </a:endParaRPr>
                     </a:p>
@@ -11776,7 +12707,7 @@
                       </a:solidFill>
                     </a:lnB>
                     <a:solidFill>
-                      <a:schemeClr val="accent6">
+                      <a:schemeClr val="accent1">
                         <a:lumMod val="40000"/>
                         <a:lumOff val="60000"/>
                       </a:schemeClr>
@@ -11827,21 +12758,21 @@
           <p:nvPr>
             <p:extLst>
               <p:ext uri="{D42A27DB-BD31-4B8C-83A1-F6EECF244321}">
-                <p14:modId xmlns:p14="http://schemas.microsoft.com/office/powerpoint/2010/main" val="391045281"/>
+                <p14:modId xmlns:p14="http://schemas.microsoft.com/office/powerpoint/2010/main" val="352252372"/>
               </p:ext>
             </p:extLst>
           </p:nvPr>
         </p:nvGraphicFramePr>
         <p:xfrm>
-          <a:off x="4870800" y="2195513"/>
-          <a:ext cx="1977480" cy="312247"/>
+          <a:off x="3309939" y="2195513"/>
+          <a:ext cx="208280" cy="312247"/>
         </p:xfrm>
         <a:graphic>
           <a:graphicData uri="http://schemas.openxmlformats.org/drawingml/2006/table">
             <a:tbl>
               <a:tblPr/>
               <a:tblGrid>
-                <a:gridCol w="1977480"/>
+                <a:gridCol w="208280"/>
               </a:tblGrid>
               <a:tr h="312247">
                 <a:tc>
@@ -11861,37 +12792,10 @@
                           </a:solidFill>
                           <a:latin typeface="Times New Roman"/>
                         </a:rPr>
-                        <a:t>J</a:t>
-                      </a:r>
-                      <a:r>
-                        <a:rPr lang="en-US" sz="1100" b="0" strike="noStrike" spc="-1" dirty="0" smtClean="0">
-                          <a:solidFill>
-                            <a:srgbClr val="000000"/>
-                          </a:solidFill>
-                          <a:latin typeface="Times New Roman"/>
-                        </a:rPr>
                         <a:t>1</a:t>
                       </a:r>
-                      <a:r>
-                        <a:rPr lang="en-US" sz="1400" b="0" strike="noStrike" spc="-1" dirty="0" smtClean="0">
-                          <a:solidFill>
-                            <a:srgbClr val="000000"/>
-                          </a:solidFill>
-                          <a:latin typeface="Times New Roman"/>
-                        </a:rPr>
-                        <a:t>, J</a:t>
-                      </a:r>
-                      <a:r>
-                        <a:rPr lang="en-US" sz="1100" b="0" strike="noStrike" spc="-1" dirty="0" smtClean="0">
-                          <a:solidFill>
-                            <a:srgbClr val="000000"/>
-                          </a:solidFill>
-                          <a:latin typeface="Times New Roman"/>
-                        </a:rPr>
-                        <a:t>4</a:t>
-                      </a:r>
                       <a:endParaRPr lang="en-US" sz="1100" b="0" strike="noStrike" spc="-1" dirty="0">
-                        <a:latin typeface="Arial"/>
+                        <a:latin typeface="+mn-lt"/>
                       </a:endParaRPr>
                     </a:p>
                   </a:txBody>
@@ -11917,7 +12821,10 @@
                       </a:solidFill>
                     </a:lnB>
                     <a:solidFill>
-                      <a:srgbClr val="BCE4E5"/>
+                      <a:schemeClr val="accent5">
+                        <a:lumMod val="40000"/>
+                        <a:lumOff val="60000"/>
+                      </a:schemeClr>
                     </a:solidFill>
                   </a:tcPr>
                 </a:tc>
@@ -11998,7 +12905,7 @@
         </p:nvSpPr>
         <p:spPr>
           <a:xfrm>
-            <a:off x="1776240" y="2544120"/>
+            <a:off x="1828994" y="3893900"/>
             <a:ext cx="245160" cy="242640"/>
           </a:xfrm>
           <a:prstGeom prst="rect">
@@ -12086,16 +12993,16 @@
               </a:lnSpc>
             </a:pPr>
             <a:r>
-              <a:rPr lang="en-US" sz="1400" b="0" i="1" strike="noStrike" spc="-1" dirty="0">
+              <a:rPr lang="en-US" sz="1400" spc="-1" dirty="0">
                 <a:solidFill>
                   <a:srgbClr val="000000"/>
                 </a:solidFill>
                 <a:latin typeface="Times New Roman"/>
               </a:rPr>
-              <a:t>m</a:t>
+              <a:t>M</a:t>
             </a:r>
             <a:r>
-              <a:rPr lang="en-US" sz="1400" b="0" strike="noStrike" spc="-1" baseline="-25000" dirty="0">
+              <a:rPr lang="en-US" sz="1400" b="0" strike="noStrike" spc="-1" baseline="-25000" dirty="0" smtClean="0">
                 <a:solidFill>
                   <a:srgbClr val="000000"/>
                 </a:solidFill>
@@ -12117,7 +13024,7 @@
         </p:nvSpPr>
         <p:spPr>
           <a:xfrm>
-            <a:off x="6675120" y="1920240"/>
+            <a:off x="3960826" y="1920240"/>
             <a:ext cx="321480" cy="331920"/>
           </a:xfrm>
           <a:prstGeom prst="rect">
@@ -12181,7 +13088,7 @@
         </p:nvSpPr>
         <p:spPr>
           <a:xfrm>
-            <a:off x="4707000" y="1920240"/>
+            <a:off x="3106049" y="1920240"/>
             <a:ext cx="321480" cy="331920"/>
           </a:xfrm>
           <a:prstGeom prst="rect">
@@ -12287,7 +13194,7 @@
         </p:nvSpPr>
         <p:spPr>
           <a:xfrm>
-            <a:off x="3189967" y="2549827"/>
+            <a:off x="2544039" y="3915533"/>
             <a:ext cx="361080" cy="331920"/>
           </a:xfrm>
           <a:prstGeom prst="rect">
@@ -12326,7 +13233,7 @@
                 </a:solidFill>
                 <a:latin typeface="Times New Roman"/>
               </a:rPr>
-              <a:t>90</a:t>
+              <a:t>100</a:t>
             </a:r>
             <a:endParaRPr lang="en-US" sz="1400" b="0" strike="noStrike" spc="-1" dirty="0">
               <a:latin typeface="Arial"/>
@@ -12342,7 +13249,7 @@
         </p:nvSpPr>
         <p:spPr>
           <a:xfrm>
-            <a:off x="4662985" y="2544120"/>
+            <a:off x="3213331" y="3893900"/>
             <a:ext cx="361080" cy="331920"/>
           </a:xfrm>
           <a:prstGeom prst="rect">
@@ -12381,7 +13288,7 @@
                 </a:solidFill>
                 <a:latin typeface="Times New Roman"/>
               </a:rPr>
-              <a:t>180</a:t>
+              <a:t>200</a:t>
             </a:r>
             <a:endParaRPr lang="en-US" sz="1200" b="0" strike="noStrike" spc="-1" dirty="0">
               <a:latin typeface="Arial"/>
@@ -12397,7 +13304,7 @@
         </p:nvSpPr>
         <p:spPr>
           <a:xfrm>
-            <a:off x="6154560" y="2548595"/>
+            <a:off x="3988908" y="3893900"/>
             <a:ext cx="361080" cy="331920"/>
           </a:xfrm>
           <a:prstGeom prst="rect">
@@ -12436,11 +13343,1895 @@
                 </a:solidFill>
                 <a:latin typeface="Times New Roman"/>
               </a:rPr>
-              <a:t>270</a:t>
+              <a:t>300</a:t>
             </a:r>
             <a:endParaRPr lang="en-US" sz="1400" b="0" strike="noStrike" spc="-1" dirty="0">
               <a:latin typeface="Arial"/>
             </a:endParaRPr>
+          </a:p>
+        </p:txBody>
+      </p:sp>
+      <p:sp>
+        <p:nvSpPr>
+          <p:cNvPr id="63" name="CustomShape 56"/>
+          <p:cNvSpPr/>
+          <p:nvPr/>
+        </p:nvSpPr>
+        <p:spPr>
+          <a:xfrm>
+            <a:off x="1559160" y="2517680"/>
+            <a:ext cx="361080" cy="331920"/>
+          </a:xfrm>
+          <a:prstGeom prst="rect">
+            <a:avLst/>
+          </a:prstGeom>
+          <a:noFill/>
+          <a:ln>
+            <a:noFill/>
+          </a:ln>
+        </p:spPr>
+        <p:style>
+          <a:lnRef idx="0">
+            <a:scrgbClr r="0" g="0" b="0"/>
+          </a:lnRef>
+          <a:fillRef idx="0">
+            <a:scrgbClr r="0" g="0" b="0"/>
+          </a:fillRef>
+          <a:effectRef idx="0">
+            <a:scrgbClr r="0" g="0" b="0"/>
+          </a:effectRef>
+          <a:fontRef idx="minor"/>
+        </p:style>
+        <p:txBody>
+          <a:bodyPr wrap="none" lIns="90000" tIns="45000" rIns="90000" bIns="45000"/>
+          <a:lstStyle/>
+          <a:p>
+            <a:pPr>
+              <a:lnSpc>
+                <a:spcPct val="100000"/>
+              </a:lnSpc>
+            </a:pPr>
+            <a:r>
+              <a:rPr lang="en-US" sz="1400" spc="-1" dirty="0">
+                <a:solidFill>
+                  <a:srgbClr val="000000"/>
+                </a:solidFill>
+                <a:latin typeface="Times New Roman"/>
+              </a:rPr>
+              <a:t>V</a:t>
+            </a:r>
+            <a:r>
+              <a:rPr lang="en-US" sz="1400" spc="-1" baseline="-25000" dirty="0" smtClean="0">
+                <a:solidFill>
+                  <a:srgbClr val="000000"/>
+                </a:solidFill>
+                <a:latin typeface="Times New Roman"/>
+              </a:rPr>
+              <a:t>3</a:t>
+            </a:r>
+            <a:endParaRPr lang="en-US" sz="1400" b="0" strike="noStrike" spc="-1" dirty="0">
+              <a:latin typeface="Arial"/>
+            </a:endParaRPr>
+          </a:p>
+        </p:txBody>
+      </p:sp>
+      <p:sp>
+        <p:nvSpPr>
+          <p:cNvPr id="64" name="CustomShape 56"/>
+          <p:cNvSpPr/>
+          <p:nvPr/>
+        </p:nvSpPr>
+        <p:spPr>
+          <a:xfrm>
+            <a:off x="1569530" y="2988097"/>
+            <a:ext cx="361080" cy="331920"/>
+          </a:xfrm>
+          <a:prstGeom prst="rect">
+            <a:avLst/>
+          </a:prstGeom>
+          <a:noFill/>
+          <a:ln>
+            <a:noFill/>
+          </a:ln>
+        </p:spPr>
+        <p:style>
+          <a:lnRef idx="0">
+            <a:scrgbClr r="0" g="0" b="0"/>
+          </a:lnRef>
+          <a:fillRef idx="0">
+            <a:scrgbClr r="0" g="0" b="0"/>
+          </a:fillRef>
+          <a:effectRef idx="0">
+            <a:scrgbClr r="0" g="0" b="0"/>
+          </a:effectRef>
+          <a:fontRef idx="minor"/>
+        </p:style>
+        <p:txBody>
+          <a:bodyPr wrap="none" lIns="90000" tIns="45000" rIns="90000" bIns="45000"/>
+          <a:lstStyle/>
+          <a:p>
+            <a:pPr>
+              <a:lnSpc>
+                <a:spcPct val="100000"/>
+              </a:lnSpc>
+            </a:pPr>
+            <a:r>
+              <a:rPr lang="en-US" sz="1400" spc="-1" dirty="0">
+                <a:solidFill>
+                  <a:srgbClr val="000000"/>
+                </a:solidFill>
+                <a:latin typeface="Times New Roman"/>
+              </a:rPr>
+              <a:t>W</a:t>
+            </a:r>
+            <a:r>
+              <a:rPr lang="en-US" sz="1400" spc="-1" baseline="-25000" dirty="0" smtClean="0">
+                <a:solidFill>
+                  <a:srgbClr val="000000"/>
+                </a:solidFill>
+                <a:latin typeface="Times New Roman"/>
+              </a:rPr>
+              <a:t>1</a:t>
+            </a:r>
+            <a:endParaRPr lang="en-US" sz="1400" b="0" strike="noStrike" spc="-1" dirty="0">
+              <a:latin typeface="Arial"/>
+            </a:endParaRPr>
+          </a:p>
+        </p:txBody>
+      </p:sp>
+      <p:sp>
+        <p:nvSpPr>
+          <p:cNvPr id="68" name="CustomShape 56"/>
+          <p:cNvSpPr/>
+          <p:nvPr/>
+        </p:nvSpPr>
+        <p:spPr>
+          <a:xfrm>
+            <a:off x="1581674" y="3474281"/>
+            <a:ext cx="361080" cy="331920"/>
+          </a:xfrm>
+          <a:prstGeom prst="rect">
+            <a:avLst/>
+          </a:prstGeom>
+          <a:noFill/>
+          <a:ln>
+            <a:noFill/>
+          </a:ln>
+        </p:spPr>
+        <p:style>
+          <a:lnRef idx="0">
+            <a:scrgbClr r="0" g="0" b="0"/>
+          </a:lnRef>
+          <a:fillRef idx="0">
+            <a:scrgbClr r="0" g="0" b="0"/>
+          </a:fillRef>
+          <a:effectRef idx="0">
+            <a:scrgbClr r="0" g="0" b="0"/>
+          </a:effectRef>
+          <a:fontRef idx="minor"/>
+        </p:style>
+        <p:txBody>
+          <a:bodyPr wrap="none" lIns="90000" tIns="45000" rIns="90000" bIns="45000"/>
+          <a:lstStyle/>
+          <a:p>
+            <a:pPr>
+              <a:lnSpc>
+                <a:spcPct val="100000"/>
+              </a:lnSpc>
+            </a:pPr>
+            <a:r>
+              <a:rPr lang="en-US" sz="1400" spc="-1" dirty="0">
+                <a:solidFill>
+                  <a:srgbClr val="000000"/>
+                </a:solidFill>
+                <a:latin typeface="Times New Roman"/>
+              </a:rPr>
+              <a:t>V</a:t>
+            </a:r>
+            <a:r>
+              <a:rPr lang="en-US" sz="1400" spc="-1" baseline="-25000" dirty="0" smtClean="0">
+                <a:solidFill>
+                  <a:srgbClr val="000000"/>
+                </a:solidFill>
+                <a:latin typeface="Times New Roman"/>
+              </a:rPr>
+              <a:t>2</a:t>
+            </a:r>
+            <a:endParaRPr lang="en-US" sz="1400" b="0" strike="noStrike" spc="-1" dirty="0">
+              <a:latin typeface="Arial"/>
+            </a:endParaRPr>
+          </a:p>
+        </p:txBody>
+      </p:sp>
+      <p:sp>
+        <p:nvSpPr>
+          <p:cNvPr id="3" name="Retângulo 2"/>
+          <p:cNvSpPr/>
+          <p:nvPr/>
+        </p:nvSpPr>
+        <p:spPr>
+          <a:xfrm>
+            <a:off x="1920240" y="2604394"/>
+            <a:ext cx="601285" cy="198524"/>
+          </a:xfrm>
+          <a:prstGeom prst="rect">
+            <a:avLst/>
+          </a:prstGeom>
+          <a:solidFill>
+            <a:schemeClr val="bg1">
+              <a:lumMod val="50000"/>
+            </a:schemeClr>
+          </a:solidFill>
+          <a:ln>
+            <a:noFill/>
+          </a:ln>
+        </p:spPr>
+        <p:style>
+          <a:lnRef idx="2">
+            <a:schemeClr val="accent1">
+              <a:shade val="50000"/>
+            </a:schemeClr>
+          </a:lnRef>
+          <a:fillRef idx="1">
+            <a:schemeClr val="accent1"/>
+          </a:fillRef>
+          <a:effectRef idx="0">
+            <a:schemeClr val="accent1"/>
+          </a:effectRef>
+          <a:fontRef idx="minor">
+            <a:schemeClr val="lt1"/>
+          </a:fontRef>
+        </p:style>
+        <p:txBody>
+          <a:bodyPr rtlCol="0" anchor="ctr"/>
+          <a:lstStyle/>
+          <a:p>
+            <a:pPr algn="ctr"/>
+            <a:endParaRPr lang="en-GB"/>
+          </a:p>
+        </p:txBody>
+      </p:sp>
+      <p:sp>
+        <p:nvSpPr>
+          <p:cNvPr id="69" name="Retângulo 68"/>
+          <p:cNvSpPr/>
+          <p:nvPr/>
+        </p:nvSpPr>
+        <p:spPr>
+          <a:xfrm>
+            <a:off x="1920240" y="3054795"/>
+            <a:ext cx="1392130" cy="198524"/>
+          </a:xfrm>
+          <a:prstGeom prst="rect">
+            <a:avLst/>
+          </a:prstGeom>
+          <a:solidFill>
+            <a:schemeClr val="bg1">
+              <a:lumMod val="50000"/>
+            </a:schemeClr>
+          </a:solidFill>
+          <a:ln>
+            <a:noFill/>
+          </a:ln>
+        </p:spPr>
+        <p:style>
+          <a:lnRef idx="2">
+            <a:schemeClr val="accent1">
+              <a:shade val="50000"/>
+            </a:schemeClr>
+          </a:lnRef>
+          <a:fillRef idx="1">
+            <a:schemeClr val="accent1"/>
+          </a:fillRef>
+          <a:effectRef idx="0">
+            <a:schemeClr val="accent1"/>
+          </a:effectRef>
+          <a:fontRef idx="minor">
+            <a:schemeClr val="lt1"/>
+          </a:fontRef>
+        </p:style>
+        <p:txBody>
+          <a:bodyPr rtlCol="0" anchor="ctr"/>
+          <a:lstStyle/>
+          <a:p>
+            <a:pPr algn="ctr"/>
+            <a:endParaRPr lang="en-GB"/>
+          </a:p>
+        </p:txBody>
+      </p:sp>
+      <p:sp>
+        <p:nvSpPr>
+          <p:cNvPr id="70" name="Retângulo 69"/>
+          <p:cNvSpPr/>
+          <p:nvPr/>
+        </p:nvSpPr>
+        <p:spPr>
+          <a:xfrm>
+            <a:off x="1929164" y="3562178"/>
+            <a:ext cx="2238930" cy="198524"/>
+          </a:xfrm>
+          <a:prstGeom prst="rect">
+            <a:avLst/>
+          </a:prstGeom>
+          <a:solidFill>
+            <a:schemeClr val="bg1">
+              <a:lumMod val="50000"/>
+            </a:schemeClr>
+          </a:solidFill>
+          <a:ln>
+            <a:noFill/>
+          </a:ln>
+        </p:spPr>
+        <p:style>
+          <a:lnRef idx="2">
+            <a:schemeClr val="accent1">
+              <a:shade val="50000"/>
+            </a:schemeClr>
+          </a:lnRef>
+          <a:fillRef idx="1">
+            <a:schemeClr val="accent1"/>
+          </a:fillRef>
+          <a:effectRef idx="0">
+            <a:schemeClr val="accent1"/>
+          </a:effectRef>
+          <a:fontRef idx="minor">
+            <a:schemeClr val="lt1"/>
+          </a:fontRef>
+        </p:style>
+        <p:txBody>
+          <a:bodyPr rtlCol="0" anchor="ctr"/>
+          <a:lstStyle/>
+          <a:p>
+            <a:pPr algn="ctr"/>
+            <a:endParaRPr lang="en-GB"/>
+          </a:p>
+        </p:txBody>
+      </p:sp>
+      <p:sp>
+        <p:nvSpPr>
+          <p:cNvPr id="71" name="CustomShape 56"/>
+          <p:cNvSpPr/>
+          <p:nvPr/>
+        </p:nvSpPr>
+        <p:spPr>
+          <a:xfrm>
+            <a:off x="4737974" y="3888887"/>
+            <a:ext cx="361080" cy="331920"/>
+          </a:xfrm>
+          <a:prstGeom prst="rect">
+            <a:avLst/>
+          </a:prstGeom>
+          <a:noFill/>
+          <a:ln>
+            <a:noFill/>
+          </a:ln>
+        </p:spPr>
+        <p:style>
+          <a:lnRef idx="0">
+            <a:scrgbClr r="0" g="0" b="0"/>
+          </a:lnRef>
+          <a:fillRef idx="0">
+            <a:scrgbClr r="0" g="0" b="0"/>
+          </a:fillRef>
+          <a:effectRef idx="0">
+            <a:scrgbClr r="0" g="0" b="0"/>
+          </a:effectRef>
+          <a:fontRef idx="minor"/>
+        </p:style>
+        <p:txBody>
+          <a:bodyPr wrap="none" lIns="90000" tIns="45000" rIns="90000" bIns="45000"/>
+          <a:lstStyle/>
+          <a:p>
+            <a:pPr>
+              <a:lnSpc>
+                <a:spcPct val="100000"/>
+              </a:lnSpc>
+            </a:pPr>
+            <a:r>
+              <a:rPr lang="en-US" sz="1200" b="0" strike="noStrike" spc="-1" dirty="0" smtClean="0">
+                <a:solidFill>
+                  <a:srgbClr val="000000"/>
+                </a:solidFill>
+                <a:latin typeface="Times New Roman"/>
+              </a:rPr>
+              <a:t>400</a:t>
+            </a:r>
+            <a:endParaRPr lang="en-US" sz="1400" b="0" strike="noStrike" spc="-1" dirty="0">
+              <a:latin typeface="Arial"/>
+            </a:endParaRPr>
+          </a:p>
+        </p:txBody>
+      </p:sp>
+      <p:sp>
+        <p:nvSpPr>
+          <p:cNvPr id="72" name="CustomShape 56"/>
+          <p:cNvSpPr/>
+          <p:nvPr/>
+        </p:nvSpPr>
+        <p:spPr>
+          <a:xfrm>
+            <a:off x="5476557" y="3888887"/>
+            <a:ext cx="361080" cy="331920"/>
+          </a:xfrm>
+          <a:prstGeom prst="rect">
+            <a:avLst/>
+          </a:prstGeom>
+          <a:noFill/>
+          <a:ln>
+            <a:noFill/>
+          </a:ln>
+        </p:spPr>
+        <p:style>
+          <a:lnRef idx="0">
+            <a:scrgbClr r="0" g="0" b="0"/>
+          </a:lnRef>
+          <a:fillRef idx="0">
+            <a:scrgbClr r="0" g="0" b="0"/>
+          </a:fillRef>
+          <a:effectRef idx="0">
+            <a:scrgbClr r="0" g="0" b="0"/>
+          </a:effectRef>
+          <a:fontRef idx="minor"/>
+        </p:style>
+        <p:txBody>
+          <a:bodyPr wrap="none" lIns="90000" tIns="45000" rIns="90000" bIns="45000"/>
+          <a:lstStyle/>
+          <a:p>
+            <a:pPr>
+              <a:lnSpc>
+                <a:spcPct val="100000"/>
+              </a:lnSpc>
+            </a:pPr>
+            <a:r>
+              <a:rPr lang="en-US" sz="1200" b="0" strike="noStrike" spc="-1" dirty="0" smtClean="0">
+                <a:solidFill>
+                  <a:srgbClr val="000000"/>
+                </a:solidFill>
+                <a:latin typeface="Times New Roman"/>
+              </a:rPr>
+              <a:t>500</a:t>
+            </a:r>
+            <a:endParaRPr lang="en-US" sz="1400" b="0" strike="noStrike" spc="-1" dirty="0">
+              <a:latin typeface="Arial"/>
+            </a:endParaRPr>
+          </a:p>
+        </p:txBody>
+      </p:sp>
+      <p:sp>
+        <p:nvSpPr>
+          <p:cNvPr id="73" name="CustomShape 56"/>
+          <p:cNvSpPr/>
+          <p:nvPr/>
+        </p:nvSpPr>
+        <p:spPr>
+          <a:xfrm>
+            <a:off x="6212260" y="3888887"/>
+            <a:ext cx="361080" cy="331920"/>
+          </a:xfrm>
+          <a:prstGeom prst="rect">
+            <a:avLst/>
+          </a:prstGeom>
+          <a:noFill/>
+          <a:ln>
+            <a:noFill/>
+          </a:ln>
+        </p:spPr>
+        <p:style>
+          <a:lnRef idx="0">
+            <a:scrgbClr r="0" g="0" b="0"/>
+          </a:lnRef>
+          <a:fillRef idx="0">
+            <a:scrgbClr r="0" g="0" b="0"/>
+          </a:fillRef>
+          <a:effectRef idx="0">
+            <a:scrgbClr r="0" g="0" b="0"/>
+          </a:effectRef>
+          <a:fontRef idx="minor"/>
+        </p:style>
+        <p:txBody>
+          <a:bodyPr wrap="none" lIns="90000" tIns="45000" rIns="90000" bIns="45000"/>
+          <a:lstStyle/>
+          <a:p>
+            <a:pPr>
+              <a:lnSpc>
+                <a:spcPct val="100000"/>
+              </a:lnSpc>
+            </a:pPr>
+            <a:r>
+              <a:rPr lang="en-US" sz="1200" spc="-1" dirty="0" smtClean="0">
+                <a:solidFill>
+                  <a:srgbClr val="000000"/>
+                </a:solidFill>
+                <a:latin typeface="Times New Roman"/>
+              </a:rPr>
+              <a:t>600</a:t>
+            </a:r>
+            <a:endParaRPr lang="en-US" sz="1400" b="0" strike="noStrike" spc="-1" dirty="0">
+              <a:latin typeface="Arial"/>
+            </a:endParaRPr>
+          </a:p>
+        </p:txBody>
+      </p:sp>
+      <p:cxnSp>
+        <p:nvCxnSpPr>
+          <p:cNvPr id="15" name="Conector reto 14"/>
+          <p:cNvCxnSpPr/>
+          <p:nvPr/>
+        </p:nvCxnSpPr>
+        <p:spPr>
+          <a:xfrm>
+            <a:off x="2540794" y="2604394"/>
+            <a:ext cx="0" cy="198524"/>
+          </a:xfrm>
+          <a:prstGeom prst="line">
+            <a:avLst/>
+          </a:prstGeom>
+          <a:ln>
+            <a:solidFill>
+              <a:schemeClr val="tx1"/>
+            </a:solidFill>
+            <a:prstDash val="dash"/>
+          </a:ln>
+        </p:spPr>
+        <p:style>
+          <a:lnRef idx="1">
+            <a:schemeClr val="accent1"/>
+          </a:lnRef>
+          <a:fillRef idx="0">
+            <a:schemeClr val="accent1"/>
+          </a:fillRef>
+          <a:effectRef idx="0">
+            <a:schemeClr val="accent1"/>
+          </a:effectRef>
+          <a:fontRef idx="minor">
+            <a:schemeClr val="tx1"/>
+          </a:fontRef>
+        </p:style>
+      </p:cxnSp>
+      <p:cxnSp>
+        <p:nvCxnSpPr>
+          <p:cNvPr id="17" name="Conector de seta reta 16"/>
+          <p:cNvCxnSpPr/>
+          <p:nvPr/>
+        </p:nvCxnSpPr>
+        <p:spPr>
+          <a:xfrm>
+            <a:off x="2536879" y="2800537"/>
+            <a:ext cx="834478" cy="2381"/>
+          </a:xfrm>
+          <a:prstGeom prst="straightConnector1">
+            <a:avLst/>
+          </a:prstGeom>
+          <a:ln w="9525">
+            <a:solidFill>
+              <a:schemeClr val="tx1"/>
+            </a:solidFill>
+            <a:headEnd type="none"/>
+            <a:tailEnd type="triangle" w="med" len="sm"/>
+          </a:ln>
+        </p:spPr>
+        <p:style>
+          <a:lnRef idx="1">
+            <a:schemeClr val="accent1"/>
+          </a:lnRef>
+          <a:fillRef idx="0">
+            <a:schemeClr val="accent1"/>
+          </a:fillRef>
+          <a:effectRef idx="0">
+            <a:schemeClr val="accent1"/>
+          </a:effectRef>
+          <a:fontRef idx="minor">
+            <a:schemeClr val="tx1"/>
+          </a:fontRef>
+        </p:style>
+      </p:cxnSp>
+      <p:sp>
+        <p:nvSpPr>
+          <p:cNvPr id="88" name="CustomShape 56"/>
+          <p:cNvSpPr/>
+          <p:nvPr/>
+        </p:nvSpPr>
+        <p:spPr>
+          <a:xfrm>
+            <a:off x="3324249" y="2588333"/>
+            <a:ext cx="174942" cy="200144"/>
+          </a:xfrm>
+          <a:prstGeom prst="rect">
+            <a:avLst/>
+          </a:prstGeom>
+          <a:noFill/>
+          <a:ln>
+            <a:noFill/>
+          </a:ln>
+        </p:spPr>
+        <p:style>
+          <a:lnRef idx="0">
+            <a:scrgbClr r="0" g="0" b="0"/>
+          </a:lnRef>
+          <a:fillRef idx="0">
+            <a:scrgbClr r="0" g="0" b="0"/>
+          </a:fillRef>
+          <a:effectRef idx="0">
+            <a:scrgbClr r="0" g="0" b="0"/>
+          </a:effectRef>
+          <a:fontRef idx="minor"/>
+        </p:style>
+        <p:txBody>
+          <a:bodyPr wrap="none" lIns="90000" tIns="45000" rIns="90000" bIns="45000"/>
+          <a:lstStyle/>
+          <a:p>
+            <a:pPr>
+              <a:lnSpc>
+                <a:spcPct val="100000"/>
+              </a:lnSpc>
+            </a:pPr>
+            <a:r>
+              <a:rPr lang="en-US" sz="1200" b="0" strike="noStrike" spc="-1" dirty="0" smtClean="0">
+                <a:solidFill>
+                  <a:srgbClr val="000000"/>
+                </a:solidFill>
+                <a:latin typeface="Times New Roman"/>
+              </a:rPr>
+              <a:t>5</a:t>
+            </a:r>
+            <a:endParaRPr lang="en-US" sz="1400" b="0" strike="noStrike" spc="-1" dirty="0">
+              <a:latin typeface="Arial"/>
+            </a:endParaRPr>
+          </a:p>
+        </p:txBody>
+      </p:sp>
+      <p:cxnSp>
+        <p:nvCxnSpPr>
+          <p:cNvPr id="90" name="Conector de seta reta 89"/>
+          <p:cNvCxnSpPr/>
+          <p:nvPr/>
+        </p:nvCxnSpPr>
+        <p:spPr>
+          <a:xfrm>
+            <a:off x="3509851" y="2810036"/>
+            <a:ext cx="1205609" cy="2132"/>
+          </a:xfrm>
+          <a:prstGeom prst="straightConnector1">
+            <a:avLst/>
+          </a:prstGeom>
+          <a:ln w="9525">
+            <a:solidFill>
+              <a:schemeClr val="tx1"/>
+            </a:solidFill>
+            <a:headEnd type="none"/>
+            <a:tailEnd type="triangle" w="med" len="sm"/>
+          </a:ln>
+        </p:spPr>
+        <p:style>
+          <a:lnRef idx="1">
+            <a:schemeClr val="accent1"/>
+          </a:lnRef>
+          <a:fillRef idx="0">
+            <a:schemeClr val="accent1"/>
+          </a:fillRef>
+          <a:effectRef idx="0">
+            <a:schemeClr val="accent1"/>
+          </a:effectRef>
+          <a:fontRef idx="minor">
+            <a:schemeClr val="tx1"/>
+          </a:fontRef>
+        </p:style>
+      </p:cxnSp>
+      <p:sp>
+        <p:nvSpPr>
+          <p:cNvPr id="93" name="CustomShape 56"/>
+          <p:cNvSpPr/>
+          <p:nvPr/>
+        </p:nvSpPr>
+        <p:spPr>
+          <a:xfrm>
+            <a:off x="4661658" y="2593594"/>
+            <a:ext cx="174942" cy="200144"/>
+          </a:xfrm>
+          <a:prstGeom prst="rect">
+            <a:avLst/>
+          </a:prstGeom>
+          <a:noFill/>
+          <a:ln>
+            <a:noFill/>
+          </a:ln>
+        </p:spPr>
+        <p:style>
+          <a:lnRef idx="0">
+            <a:scrgbClr r="0" g="0" b="0"/>
+          </a:lnRef>
+          <a:fillRef idx="0">
+            <a:scrgbClr r="0" g="0" b="0"/>
+          </a:fillRef>
+          <a:effectRef idx="0">
+            <a:scrgbClr r="0" g="0" b="0"/>
+          </a:effectRef>
+          <a:fontRef idx="minor"/>
+        </p:style>
+        <p:txBody>
+          <a:bodyPr wrap="none" lIns="90000" tIns="45000" rIns="90000" bIns="45000"/>
+          <a:lstStyle/>
+          <a:p>
+            <a:pPr>
+              <a:lnSpc>
+                <a:spcPct val="100000"/>
+              </a:lnSpc>
+            </a:pPr>
+            <a:r>
+              <a:rPr lang="en-US" sz="1200" spc="-1" dirty="0">
+                <a:solidFill>
+                  <a:srgbClr val="000000"/>
+                </a:solidFill>
+                <a:latin typeface="Times New Roman"/>
+              </a:rPr>
+              <a:t>3</a:t>
+            </a:r>
+            <a:endParaRPr lang="en-US" sz="1400" b="0" strike="noStrike" spc="-1" dirty="0">
+              <a:latin typeface="Arial"/>
+            </a:endParaRPr>
+          </a:p>
+        </p:txBody>
+      </p:sp>
+      <p:cxnSp>
+        <p:nvCxnSpPr>
+          <p:cNvPr id="94" name="Conector reto 93"/>
+          <p:cNvCxnSpPr/>
+          <p:nvPr/>
+        </p:nvCxnSpPr>
+        <p:spPr>
+          <a:xfrm>
+            <a:off x="3338534" y="3054795"/>
+            <a:ext cx="0" cy="198524"/>
+          </a:xfrm>
+          <a:prstGeom prst="line">
+            <a:avLst/>
+          </a:prstGeom>
+          <a:ln>
+            <a:solidFill>
+              <a:schemeClr val="tx1"/>
+            </a:solidFill>
+            <a:prstDash val="dash"/>
+          </a:ln>
+        </p:spPr>
+        <p:style>
+          <a:lnRef idx="1">
+            <a:schemeClr val="accent1"/>
+          </a:lnRef>
+          <a:fillRef idx="0">
+            <a:schemeClr val="accent1"/>
+          </a:fillRef>
+          <a:effectRef idx="0">
+            <a:schemeClr val="accent1"/>
+          </a:effectRef>
+          <a:fontRef idx="minor">
+            <a:schemeClr val="tx1"/>
+          </a:fontRef>
+        </p:style>
+      </p:cxnSp>
+      <p:cxnSp>
+        <p:nvCxnSpPr>
+          <p:cNvPr id="95" name="Conector de seta reta 94"/>
+          <p:cNvCxnSpPr/>
+          <p:nvPr/>
+        </p:nvCxnSpPr>
+        <p:spPr>
+          <a:xfrm>
+            <a:off x="3334619" y="3250938"/>
+            <a:ext cx="642145" cy="52"/>
+          </a:xfrm>
+          <a:prstGeom prst="straightConnector1">
+            <a:avLst/>
+          </a:prstGeom>
+          <a:ln w="9525">
+            <a:solidFill>
+              <a:schemeClr val="tx1"/>
+            </a:solidFill>
+            <a:headEnd type="none"/>
+            <a:tailEnd type="triangle" w="med" len="sm"/>
+          </a:ln>
+        </p:spPr>
+        <p:style>
+          <a:lnRef idx="1">
+            <a:schemeClr val="accent1"/>
+          </a:lnRef>
+          <a:fillRef idx="0">
+            <a:schemeClr val="accent1"/>
+          </a:fillRef>
+          <a:effectRef idx="0">
+            <a:schemeClr val="accent1"/>
+          </a:effectRef>
+          <a:fontRef idx="minor">
+            <a:schemeClr val="tx1"/>
+          </a:fontRef>
+        </p:style>
+      </p:cxnSp>
+      <p:sp>
+        <p:nvSpPr>
+          <p:cNvPr id="96" name="CustomShape 56"/>
+          <p:cNvSpPr/>
+          <p:nvPr/>
+        </p:nvSpPr>
+        <p:spPr>
+          <a:xfrm>
+            <a:off x="3908880" y="3079450"/>
+            <a:ext cx="174942" cy="200144"/>
+          </a:xfrm>
+          <a:prstGeom prst="rect">
+            <a:avLst/>
+          </a:prstGeom>
+          <a:noFill/>
+          <a:ln>
+            <a:noFill/>
+          </a:ln>
+        </p:spPr>
+        <p:style>
+          <a:lnRef idx="0">
+            <a:scrgbClr r="0" g="0" b="0"/>
+          </a:lnRef>
+          <a:fillRef idx="0">
+            <a:scrgbClr r="0" g="0" b="0"/>
+          </a:fillRef>
+          <a:effectRef idx="0">
+            <a:scrgbClr r="0" g="0" b="0"/>
+          </a:effectRef>
+          <a:fontRef idx="minor"/>
+        </p:style>
+        <p:txBody>
+          <a:bodyPr wrap="none" lIns="90000" tIns="45000" rIns="90000" bIns="45000"/>
+          <a:lstStyle/>
+          <a:p>
+            <a:pPr>
+              <a:lnSpc>
+                <a:spcPct val="100000"/>
+              </a:lnSpc>
+            </a:pPr>
+            <a:r>
+              <a:rPr lang="en-US" sz="1200" spc="-1" dirty="0">
+                <a:solidFill>
+                  <a:srgbClr val="000000"/>
+                </a:solidFill>
+                <a:latin typeface="Times New Roman"/>
+              </a:rPr>
+              <a:t>6</a:t>
+            </a:r>
+            <a:endParaRPr lang="en-US" sz="1400" b="0" strike="noStrike" spc="-1" dirty="0">
+              <a:latin typeface="Arial"/>
+            </a:endParaRPr>
+          </a:p>
+        </p:txBody>
+      </p:sp>
+      <p:cxnSp>
+        <p:nvCxnSpPr>
+          <p:cNvPr id="98" name="Conector de seta reta 97"/>
+          <p:cNvCxnSpPr/>
+          <p:nvPr/>
+        </p:nvCxnSpPr>
+        <p:spPr>
+          <a:xfrm>
+            <a:off x="4121566" y="3255200"/>
+            <a:ext cx="1108504" cy="5385"/>
+          </a:xfrm>
+          <a:prstGeom prst="straightConnector1">
+            <a:avLst/>
+          </a:prstGeom>
+          <a:ln w="9525">
+            <a:solidFill>
+              <a:schemeClr val="tx1"/>
+            </a:solidFill>
+            <a:headEnd type="none"/>
+            <a:tailEnd type="triangle" w="med" len="sm"/>
+          </a:ln>
+        </p:spPr>
+        <p:style>
+          <a:lnRef idx="1">
+            <a:schemeClr val="accent1"/>
+          </a:lnRef>
+          <a:fillRef idx="0">
+            <a:schemeClr val="accent1"/>
+          </a:fillRef>
+          <a:effectRef idx="0">
+            <a:schemeClr val="accent1"/>
+          </a:effectRef>
+          <a:fontRef idx="minor">
+            <a:schemeClr val="tx1"/>
+          </a:fontRef>
+        </p:style>
+      </p:cxnSp>
+      <p:sp>
+        <p:nvSpPr>
+          <p:cNvPr id="99" name="CustomShape 56"/>
+          <p:cNvSpPr/>
+          <p:nvPr/>
+        </p:nvSpPr>
+        <p:spPr>
+          <a:xfrm>
+            <a:off x="5147280" y="3078531"/>
+            <a:ext cx="174942" cy="200144"/>
+          </a:xfrm>
+          <a:prstGeom prst="rect">
+            <a:avLst/>
+          </a:prstGeom>
+          <a:noFill/>
+          <a:ln>
+            <a:noFill/>
+          </a:ln>
+        </p:spPr>
+        <p:style>
+          <a:lnRef idx="0">
+            <a:scrgbClr r="0" g="0" b="0"/>
+          </a:lnRef>
+          <a:fillRef idx="0">
+            <a:scrgbClr r="0" g="0" b="0"/>
+          </a:fillRef>
+          <a:effectRef idx="0">
+            <a:scrgbClr r="0" g="0" b="0"/>
+          </a:effectRef>
+          <a:fontRef idx="minor"/>
+        </p:style>
+        <p:txBody>
+          <a:bodyPr wrap="none" lIns="90000" tIns="45000" rIns="90000" bIns="45000"/>
+          <a:lstStyle/>
+          <a:p>
+            <a:pPr>
+              <a:lnSpc>
+                <a:spcPct val="100000"/>
+              </a:lnSpc>
+            </a:pPr>
+            <a:r>
+              <a:rPr lang="en-US" sz="1200" spc="-1" dirty="0" smtClean="0">
+                <a:solidFill>
+                  <a:srgbClr val="000000"/>
+                </a:solidFill>
+                <a:latin typeface="Times New Roman"/>
+              </a:rPr>
+              <a:t>2</a:t>
+            </a:r>
+            <a:endParaRPr lang="en-US" sz="1400" b="0" strike="noStrike" spc="-1" dirty="0">
+              <a:latin typeface="Arial"/>
+            </a:endParaRPr>
+          </a:p>
+        </p:txBody>
+      </p:sp>
+      <p:cxnSp>
+        <p:nvCxnSpPr>
+          <p:cNvPr id="101" name="Conector reto 100"/>
+          <p:cNvCxnSpPr/>
+          <p:nvPr/>
+        </p:nvCxnSpPr>
+        <p:spPr>
+          <a:xfrm>
+            <a:off x="4188299" y="3562178"/>
+            <a:ext cx="0" cy="198524"/>
+          </a:xfrm>
+          <a:prstGeom prst="line">
+            <a:avLst/>
+          </a:prstGeom>
+          <a:ln>
+            <a:solidFill>
+              <a:schemeClr val="tx1"/>
+            </a:solidFill>
+            <a:prstDash val="dash"/>
+          </a:ln>
+        </p:spPr>
+        <p:style>
+          <a:lnRef idx="1">
+            <a:schemeClr val="accent1"/>
+          </a:lnRef>
+          <a:fillRef idx="0">
+            <a:schemeClr val="accent1"/>
+          </a:fillRef>
+          <a:effectRef idx="0">
+            <a:schemeClr val="accent1"/>
+          </a:effectRef>
+          <a:fontRef idx="minor">
+            <a:schemeClr val="tx1"/>
+          </a:fontRef>
+        </p:style>
+      </p:cxnSp>
+      <p:cxnSp>
+        <p:nvCxnSpPr>
+          <p:cNvPr id="102" name="Conector de seta reta 101"/>
+          <p:cNvCxnSpPr/>
+          <p:nvPr/>
+        </p:nvCxnSpPr>
+        <p:spPr>
+          <a:xfrm>
+            <a:off x="4186439" y="3757189"/>
+            <a:ext cx="214646" cy="1711"/>
+          </a:xfrm>
+          <a:prstGeom prst="straightConnector1">
+            <a:avLst/>
+          </a:prstGeom>
+          <a:ln w="9525">
+            <a:solidFill>
+              <a:schemeClr val="tx1"/>
+            </a:solidFill>
+            <a:headEnd type="none"/>
+            <a:tailEnd type="triangle" w="med" len="sm"/>
+          </a:ln>
+        </p:spPr>
+        <p:style>
+          <a:lnRef idx="1">
+            <a:schemeClr val="accent1"/>
+          </a:lnRef>
+          <a:fillRef idx="0">
+            <a:schemeClr val="accent1"/>
+          </a:fillRef>
+          <a:effectRef idx="0">
+            <a:schemeClr val="accent1"/>
+          </a:effectRef>
+          <a:fontRef idx="minor">
+            <a:schemeClr val="tx1"/>
+          </a:fontRef>
+        </p:style>
+      </p:cxnSp>
+      <p:sp>
+        <p:nvSpPr>
+          <p:cNvPr id="103" name="CustomShape 56"/>
+          <p:cNvSpPr/>
+          <p:nvPr/>
+        </p:nvSpPr>
+        <p:spPr>
+          <a:xfrm>
+            <a:off x="4313614" y="3581173"/>
+            <a:ext cx="174942" cy="200144"/>
+          </a:xfrm>
+          <a:prstGeom prst="rect">
+            <a:avLst/>
+          </a:prstGeom>
+          <a:noFill/>
+          <a:ln>
+            <a:noFill/>
+          </a:ln>
+        </p:spPr>
+        <p:style>
+          <a:lnRef idx="0">
+            <a:scrgbClr r="0" g="0" b="0"/>
+          </a:lnRef>
+          <a:fillRef idx="0">
+            <a:scrgbClr r="0" g="0" b="0"/>
+          </a:fillRef>
+          <a:effectRef idx="0">
+            <a:scrgbClr r="0" g="0" b="0"/>
+          </a:effectRef>
+          <a:fontRef idx="minor"/>
+        </p:style>
+        <p:txBody>
+          <a:bodyPr wrap="none" lIns="90000" tIns="45000" rIns="90000" bIns="45000"/>
+          <a:lstStyle/>
+          <a:p>
+            <a:pPr>
+              <a:lnSpc>
+                <a:spcPct val="100000"/>
+              </a:lnSpc>
+            </a:pPr>
+            <a:r>
+              <a:rPr lang="en-US" sz="1200" spc="-1" dirty="0" smtClean="0">
+                <a:solidFill>
+                  <a:srgbClr val="000000"/>
+                </a:solidFill>
+                <a:latin typeface="Times New Roman"/>
+              </a:rPr>
+              <a:t>1</a:t>
+            </a:r>
+            <a:endParaRPr lang="en-US" sz="1400" b="0" strike="noStrike" spc="-1" dirty="0">
+              <a:latin typeface="Arial"/>
+            </a:endParaRPr>
+          </a:p>
+        </p:txBody>
+      </p:sp>
+      <p:cxnSp>
+        <p:nvCxnSpPr>
+          <p:cNvPr id="105" name="Conector de seta reta 104"/>
+          <p:cNvCxnSpPr/>
+          <p:nvPr/>
+        </p:nvCxnSpPr>
+        <p:spPr>
+          <a:xfrm>
+            <a:off x="4505391" y="3754487"/>
+            <a:ext cx="1603050" cy="2693"/>
+          </a:xfrm>
+          <a:prstGeom prst="straightConnector1">
+            <a:avLst/>
+          </a:prstGeom>
+          <a:ln w="9525">
+            <a:solidFill>
+              <a:schemeClr val="tx1"/>
+            </a:solidFill>
+            <a:headEnd type="none"/>
+            <a:tailEnd type="triangle" w="med" len="sm"/>
+          </a:ln>
+        </p:spPr>
+        <p:style>
+          <a:lnRef idx="1">
+            <a:schemeClr val="accent1"/>
+          </a:lnRef>
+          <a:fillRef idx="0">
+            <a:schemeClr val="accent1"/>
+          </a:fillRef>
+          <a:effectRef idx="0">
+            <a:schemeClr val="accent1"/>
+          </a:effectRef>
+          <a:fontRef idx="minor">
+            <a:schemeClr val="tx1"/>
+          </a:fontRef>
+        </p:style>
+      </p:cxnSp>
+      <p:sp>
+        <p:nvSpPr>
+          <p:cNvPr id="107" name="CustomShape 56"/>
+          <p:cNvSpPr/>
+          <p:nvPr/>
+        </p:nvSpPr>
+        <p:spPr>
+          <a:xfrm>
+            <a:off x="6053410" y="3608782"/>
+            <a:ext cx="174942" cy="200144"/>
+          </a:xfrm>
+          <a:prstGeom prst="rect">
+            <a:avLst/>
+          </a:prstGeom>
+          <a:noFill/>
+          <a:ln>
+            <a:noFill/>
+          </a:ln>
+        </p:spPr>
+        <p:style>
+          <a:lnRef idx="0">
+            <a:scrgbClr r="0" g="0" b="0"/>
+          </a:lnRef>
+          <a:fillRef idx="0">
+            <a:scrgbClr r="0" g="0" b="0"/>
+          </a:fillRef>
+          <a:effectRef idx="0">
+            <a:scrgbClr r="0" g="0" b="0"/>
+          </a:effectRef>
+          <a:fontRef idx="minor"/>
+        </p:style>
+        <p:txBody>
+          <a:bodyPr wrap="none" lIns="90000" tIns="45000" rIns="90000" bIns="45000"/>
+          <a:lstStyle/>
+          <a:p>
+            <a:pPr>
+              <a:lnSpc>
+                <a:spcPct val="100000"/>
+              </a:lnSpc>
+            </a:pPr>
+            <a:r>
+              <a:rPr lang="en-US" sz="1200" spc="-1" dirty="0">
+                <a:solidFill>
+                  <a:srgbClr val="000000"/>
+                </a:solidFill>
+                <a:latin typeface="Times New Roman"/>
+              </a:rPr>
+              <a:t>4</a:t>
+            </a:r>
+            <a:endParaRPr lang="en-US" sz="1400" b="0" strike="noStrike" spc="-1" dirty="0">
+              <a:latin typeface="Arial"/>
+            </a:endParaRPr>
+          </a:p>
+        </p:txBody>
+      </p:sp>
+      <p:sp>
+        <p:nvSpPr>
+          <p:cNvPr id="108" name="CustomShape 56"/>
+          <p:cNvSpPr/>
+          <p:nvPr/>
+        </p:nvSpPr>
+        <p:spPr>
+          <a:xfrm>
+            <a:off x="1543806" y="2756197"/>
+            <a:ext cx="361080" cy="331920"/>
+          </a:xfrm>
+          <a:prstGeom prst="rect">
+            <a:avLst/>
+          </a:prstGeom>
+          <a:noFill/>
+          <a:ln>
+            <a:noFill/>
+          </a:ln>
+        </p:spPr>
+        <p:style>
+          <a:lnRef idx="0">
+            <a:scrgbClr r="0" g="0" b="0"/>
+          </a:lnRef>
+          <a:fillRef idx="0">
+            <a:scrgbClr r="0" g="0" b="0"/>
+          </a:fillRef>
+          <a:effectRef idx="0">
+            <a:scrgbClr r="0" g="0" b="0"/>
+          </a:effectRef>
+          <a:fontRef idx="minor"/>
+        </p:style>
+        <p:txBody>
+          <a:bodyPr wrap="none" lIns="90000" tIns="45000" rIns="90000" bIns="45000"/>
+          <a:lstStyle/>
+          <a:p>
+            <a:pPr>
+              <a:lnSpc>
+                <a:spcPct val="100000"/>
+              </a:lnSpc>
+            </a:pPr>
+            <a:r>
+              <a:rPr lang="en-US" sz="1400" spc="-1" dirty="0" smtClean="0">
+                <a:solidFill>
+                  <a:srgbClr val="000000"/>
+                </a:solidFill>
+                <a:latin typeface="Times New Roman"/>
+              </a:rPr>
+              <a:t>TW</a:t>
+            </a:r>
+            <a:endParaRPr lang="en-US" sz="1400" b="0" strike="noStrike" spc="-1" dirty="0">
+              <a:latin typeface="Arial"/>
+            </a:endParaRPr>
+          </a:p>
+        </p:txBody>
+      </p:sp>
+      <p:graphicFrame>
+        <p:nvGraphicFramePr>
+          <p:cNvPr id="109" name="Table 1"/>
+          <p:cNvGraphicFramePr/>
+          <p:nvPr>
+            <p:extLst>
+              <p:ext uri="{D42A27DB-BD31-4B8C-83A1-F6EECF244321}">
+                <p14:modId xmlns:p14="http://schemas.microsoft.com/office/powerpoint/2010/main" val="3499025813"/>
+              </p:ext>
+            </p:extLst>
+          </p:nvPr>
+        </p:nvGraphicFramePr>
+        <p:xfrm>
+          <a:off x="2274351" y="2193131"/>
+          <a:ext cx="247173" cy="315069"/>
+        </p:xfrm>
+        <a:graphic>
+          <a:graphicData uri="http://schemas.openxmlformats.org/drawingml/2006/table">
+            <a:tbl>
+              <a:tblPr/>
+              <a:tblGrid>
+                <a:gridCol w="247173"/>
+              </a:tblGrid>
+              <a:tr h="315069">
+                <a:tc>
+                  <a:txBody>
+                    <a:bodyPr/>
+                    <a:lstStyle/>
+                    <a:p>
+                      <a:pPr algn="ctr">
+                        <a:lnSpc>
+                          <a:spcPct val="100000"/>
+                        </a:lnSpc>
+                      </a:pPr>
+                      <a:r>
+                        <a:rPr lang="en-US" sz="1400" b="0" strike="noStrike" spc="-1" baseline="0" dirty="0" smtClean="0">
+                          <a:solidFill>
+                            <a:srgbClr val="000000"/>
+                          </a:solidFill>
+                          <a:latin typeface="Times New Roman"/>
+                        </a:rPr>
+                        <a:t>3</a:t>
+                      </a:r>
+                      <a:endParaRPr lang="en-US" sz="700" b="0" strike="noStrike" spc="-1" dirty="0">
+                        <a:latin typeface="Arial"/>
+                      </a:endParaRPr>
+                    </a:p>
+                  </a:txBody>
+                  <a:tcPr>
+                    <a:lnL w="12240">
+                      <a:solidFill>
+                        <a:srgbClr val="000000"/>
+                      </a:solidFill>
+                    </a:lnL>
+                    <a:lnR w="12240">
+                      <a:solidFill>
+                        <a:srgbClr val="000000"/>
+                      </a:solidFill>
+                    </a:lnR>
+                    <a:lnT w="12240">
+                      <a:solidFill>
+                        <a:srgbClr val="000000"/>
+                      </a:solidFill>
+                    </a:lnT>
+                    <a:lnB w="12240">
+                      <a:solidFill>
+                        <a:srgbClr val="000000"/>
+                      </a:solidFill>
+                    </a:lnB>
+                    <a:solidFill>
+                      <a:schemeClr val="bg1">
+                        <a:lumMod val="95000"/>
+                      </a:schemeClr>
+                    </a:solidFill>
+                  </a:tcPr>
+                </a:tc>
+              </a:tr>
+            </a:tbl>
+          </a:graphicData>
+        </a:graphic>
+      </p:graphicFrame>
+      <p:graphicFrame>
+        <p:nvGraphicFramePr>
+          <p:cNvPr id="110" name="Table 49"/>
+          <p:cNvGraphicFramePr/>
+          <p:nvPr>
+            <p:extLst>
+              <p:ext uri="{D42A27DB-BD31-4B8C-83A1-F6EECF244321}">
+                <p14:modId xmlns:p14="http://schemas.microsoft.com/office/powerpoint/2010/main" val="2140445246"/>
+              </p:ext>
+            </p:extLst>
+          </p:nvPr>
+        </p:nvGraphicFramePr>
+        <p:xfrm>
+          <a:off x="2905119" y="2195879"/>
+          <a:ext cx="404819" cy="312738"/>
+        </p:xfrm>
+        <a:graphic>
+          <a:graphicData uri="http://schemas.openxmlformats.org/drawingml/2006/table">
+            <a:tbl>
+              <a:tblPr/>
+              <a:tblGrid>
+                <a:gridCol w="404819"/>
+              </a:tblGrid>
+              <a:tr h="312738">
+                <a:tc>
+                  <a:txBody>
+                    <a:bodyPr/>
+                    <a:lstStyle/>
+                    <a:p>
+                      <a:pPr algn="ctr">
+                        <a:lnSpc>
+                          <a:spcPct val="100000"/>
+                        </a:lnSpc>
+                      </a:pPr>
+                      <a:r>
+                        <a:rPr lang="en-US" sz="1400" b="0" strike="noStrike" spc="-1" dirty="0" smtClean="0">
+                          <a:solidFill>
+                            <a:srgbClr val="000000"/>
+                          </a:solidFill>
+                          <a:latin typeface="Times New Roman"/>
+                        </a:rPr>
+                        <a:t>2</a:t>
+                      </a:r>
+                      <a:endParaRPr lang="en-US" sz="700" b="0" strike="noStrike" spc="-1" dirty="0">
+                        <a:latin typeface="Arial"/>
+                      </a:endParaRPr>
+                    </a:p>
+                  </a:txBody>
+                  <a:tcPr>
+                    <a:lnL w="12240">
+                      <a:solidFill>
+                        <a:srgbClr val="000000"/>
+                      </a:solidFill>
+                    </a:lnL>
+                    <a:lnR w="12240">
+                      <a:solidFill>
+                        <a:srgbClr val="000000"/>
+                      </a:solidFill>
+                    </a:lnR>
+                    <a:lnT w="12240">
+                      <a:solidFill>
+                        <a:srgbClr val="000000"/>
+                      </a:solidFill>
+                    </a:lnT>
+                    <a:lnB w="12240">
+                      <a:solidFill>
+                        <a:srgbClr val="000000"/>
+                      </a:solidFill>
+                    </a:lnB>
+                    <a:solidFill>
+                      <a:schemeClr val="accent1">
+                        <a:lumMod val="40000"/>
+                        <a:lumOff val="60000"/>
+                      </a:schemeClr>
+                    </a:solidFill>
+                  </a:tcPr>
+                </a:tc>
+              </a:tr>
+            </a:tbl>
+          </a:graphicData>
+        </a:graphic>
+      </p:graphicFrame>
+      <p:sp>
+        <p:nvSpPr>
+          <p:cNvPr id="113" name="Retângulo 112"/>
+          <p:cNvSpPr/>
+          <p:nvPr/>
+        </p:nvSpPr>
+        <p:spPr>
+          <a:xfrm>
+            <a:off x="3188441" y="2878107"/>
+            <a:ext cx="243800" cy="106513"/>
+          </a:xfrm>
+          <a:prstGeom prst="rect">
+            <a:avLst/>
+          </a:prstGeom>
+          <a:solidFill>
+            <a:schemeClr val="bg1">
+              <a:lumMod val="75000"/>
+            </a:schemeClr>
+          </a:solidFill>
+          <a:ln>
+            <a:noFill/>
+          </a:ln>
+        </p:spPr>
+        <p:style>
+          <a:lnRef idx="2">
+            <a:schemeClr val="accent1">
+              <a:shade val="50000"/>
+            </a:schemeClr>
+          </a:lnRef>
+          <a:fillRef idx="1">
+            <a:schemeClr val="accent1"/>
+          </a:fillRef>
+          <a:effectRef idx="0">
+            <a:schemeClr val="accent1"/>
+          </a:effectRef>
+          <a:fontRef idx="minor">
+            <a:schemeClr val="lt1"/>
+          </a:fontRef>
+        </p:style>
+        <p:txBody>
+          <a:bodyPr rtlCol="0" anchor="ctr"/>
+          <a:lstStyle/>
+          <a:p>
+            <a:pPr algn="ctr"/>
+            <a:r>
+              <a:rPr lang="en-GB" sz="900" dirty="0">
+                <a:solidFill>
+                  <a:schemeClr val="tx1"/>
+                </a:solidFill>
+                <a:latin typeface="Times New Roman" panose="02020603050405020304" pitchFamily="18" charset="0"/>
+                <a:cs typeface="Times New Roman" panose="02020603050405020304" pitchFamily="18" charset="0"/>
+              </a:rPr>
+              <a:t>5</a:t>
+            </a:r>
+            <a:endParaRPr lang="en-GB" dirty="0">
+              <a:solidFill>
+                <a:schemeClr val="tx1"/>
+              </a:solidFill>
+              <a:latin typeface="Times New Roman" panose="02020603050405020304" pitchFamily="18" charset="0"/>
+              <a:cs typeface="Times New Roman" panose="02020603050405020304" pitchFamily="18" charset="0"/>
+            </a:endParaRPr>
+          </a:p>
+        </p:txBody>
+      </p:sp>
+      <p:sp>
+        <p:nvSpPr>
+          <p:cNvPr id="114" name="Retângulo 113"/>
+          <p:cNvSpPr/>
+          <p:nvPr/>
+        </p:nvSpPr>
+        <p:spPr>
+          <a:xfrm>
+            <a:off x="4179272" y="2878108"/>
+            <a:ext cx="607041" cy="96735"/>
+          </a:xfrm>
+          <a:prstGeom prst="rect">
+            <a:avLst/>
+          </a:prstGeom>
+          <a:solidFill>
+            <a:schemeClr val="bg1">
+              <a:lumMod val="75000"/>
+            </a:schemeClr>
+          </a:solidFill>
+          <a:ln>
+            <a:noFill/>
+          </a:ln>
+        </p:spPr>
+        <p:style>
+          <a:lnRef idx="2">
+            <a:schemeClr val="accent1">
+              <a:shade val="50000"/>
+            </a:schemeClr>
+          </a:lnRef>
+          <a:fillRef idx="1">
+            <a:schemeClr val="accent1"/>
+          </a:fillRef>
+          <a:effectRef idx="0">
+            <a:schemeClr val="accent1"/>
+          </a:effectRef>
+          <a:fontRef idx="minor">
+            <a:schemeClr val="lt1"/>
+          </a:fontRef>
+        </p:style>
+        <p:txBody>
+          <a:bodyPr rtlCol="0" anchor="ctr"/>
+          <a:lstStyle/>
+          <a:p>
+            <a:pPr algn="ctr"/>
+            <a:r>
+              <a:rPr lang="en-GB" sz="900" dirty="0" smtClean="0">
+                <a:solidFill>
+                  <a:schemeClr val="tx1"/>
+                </a:solidFill>
+                <a:latin typeface="Times New Roman" panose="02020603050405020304" pitchFamily="18" charset="0"/>
+                <a:cs typeface="Times New Roman" panose="02020603050405020304" pitchFamily="18" charset="0"/>
+              </a:rPr>
+              <a:t>3</a:t>
+            </a:r>
+            <a:endParaRPr lang="en-GB" dirty="0">
+              <a:solidFill>
+                <a:schemeClr val="tx1"/>
+              </a:solidFill>
+              <a:latin typeface="Times New Roman" panose="02020603050405020304" pitchFamily="18" charset="0"/>
+              <a:cs typeface="Times New Roman" panose="02020603050405020304" pitchFamily="18" charset="0"/>
+            </a:endParaRPr>
+          </a:p>
+        </p:txBody>
+      </p:sp>
+      <p:sp>
+        <p:nvSpPr>
+          <p:cNvPr id="150" name="CustomShape 56"/>
+          <p:cNvSpPr/>
+          <p:nvPr/>
+        </p:nvSpPr>
+        <p:spPr>
+          <a:xfrm>
+            <a:off x="1568084" y="3237799"/>
+            <a:ext cx="361080" cy="331920"/>
+          </a:xfrm>
+          <a:prstGeom prst="rect">
+            <a:avLst/>
+          </a:prstGeom>
+          <a:noFill/>
+          <a:ln>
+            <a:noFill/>
+          </a:ln>
+        </p:spPr>
+        <p:style>
+          <a:lnRef idx="0">
+            <a:scrgbClr r="0" g="0" b="0"/>
+          </a:lnRef>
+          <a:fillRef idx="0">
+            <a:scrgbClr r="0" g="0" b="0"/>
+          </a:fillRef>
+          <a:effectRef idx="0">
+            <a:scrgbClr r="0" g="0" b="0"/>
+          </a:effectRef>
+          <a:fontRef idx="minor"/>
+        </p:style>
+        <p:txBody>
+          <a:bodyPr wrap="none" lIns="90000" tIns="45000" rIns="90000" bIns="45000"/>
+          <a:lstStyle/>
+          <a:p>
+            <a:pPr>
+              <a:lnSpc>
+                <a:spcPct val="100000"/>
+              </a:lnSpc>
+            </a:pPr>
+            <a:r>
+              <a:rPr lang="en-US" sz="1400" spc="-1" dirty="0" smtClean="0">
+                <a:solidFill>
+                  <a:srgbClr val="000000"/>
+                </a:solidFill>
+                <a:latin typeface="Times New Roman"/>
+              </a:rPr>
+              <a:t>TW</a:t>
+            </a:r>
+            <a:endParaRPr lang="en-US" sz="1400" b="0" strike="noStrike" spc="-1" dirty="0">
+              <a:latin typeface="Arial"/>
+            </a:endParaRPr>
+          </a:p>
+        </p:txBody>
+      </p:sp>
+      <p:sp>
+        <p:nvSpPr>
+          <p:cNvPr id="152" name="Retângulo 151"/>
+          <p:cNvSpPr/>
+          <p:nvPr/>
+        </p:nvSpPr>
+        <p:spPr>
+          <a:xfrm>
+            <a:off x="4500369" y="3321656"/>
+            <a:ext cx="791400" cy="101472"/>
+          </a:xfrm>
+          <a:prstGeom prst="rect">
+            <a:avLst/>
+          </a:prstGeom>
+          <a:solidFill>
+            <a:schemeClr val="bg1">
+              <a:lumMod val="75000"/>
+            </a:schemeClr>
+          </a:solidFill>
+          <a:ln>
+            <a:noFill/>
+          </a:ln>
+        </p:spPr>
+        <p:style>
+          <a:lnRef idx="2">
+            <a:schemeClr val="accent1">
+              <a:shade val="50000"/>
+            </a:schemeClr>
+          </a:lnRef>
+          <a:fillRef idx="1">
+            <a:schemeClr val="accent1"/>
+          </a:fillRef>
+          <a:effectRef idx="0">
+            <a:schemeClr val="accent1"/>
+          </a:effectRef>
+          <a:fontRef idx="minor">
+            <a:schemeClr val="lt1"/>
+          </a:fontRef>
+        </p:style>
+        <p:txBody>
+          <a:bodyPr rtlCol="0" anchor="ctr"/>
+          <a:lstStyle/>
+          <a:p>
+            <a:pPr algn="ctr"/>
+            <a:r>
+              <a:rPr lang="en-GB" sz="900" dirty="0">
+                <a:solidFill>
+                  <a:schemeClr val="tx1"/>
+                </a:solidFill>
+                <a:latin typeface="Times New Roman" panose="02020603050405020304" pitchFamily="18" charset="0"/>
+                <a:cs typeface="Times New Roman" panose="02020603050405020304" pitchFamily="18" charset="0"/>
+              </a:rPr>
+              <a:t>2</a:t>
+            </a:r>
+            <a:endParaRPr lang="en-GB" dirty="0">
+              <a:solidFill>
+                <a:schemeClr val="tx1"/>
+              </a:solidFill>
+              <a:latin typeface="Times New Roman" panose="02020603050405020304" pitchFamily="18" charset="0"/>
+              <a:cs typeface="Times New Roman" panose="02020603050405020304" pitchFamily="18" charset="0"/>
+            </a:endParaRPr>
+          </a:p>
+        </p:txBody>
+      </p:sp>
+      <p:sp>
+        <p:nvSpPr>
+          <p:cNvPr id="153" name="Retângulo 152"/>
+          <p:cNvSpPr/>
+          <p:nvPr/>
+        </p:nvSpPr>
+        <p:spPr>
+          <a:xfrm>
+            <a:off x="3908880" y="3424297"/>
+            <a:ext cx="483171" cy="101914"/>
+          </a:xfrm>
+          <a:prstGeom prst="rect">
+            <a:avLst/>
+          </a:prstGeom>
+          <a:solidFill>
+            <a:schemeClr val="bg1">
+              <a:lumMod val="75000"/>
+            </a:schemeClr>
+          </a:solidFill>
+          <a:ln>
+            <a:noFill/>
+          </a:ln>
+        </p:spPr>
+        <p:style>
+          <a:lnRef idx="2">
+            <a:schemeClr val="accent1">
+              <a:shade val="50000"/>
+            </a:schemeClr>
+          </a:lnRef>
+          <a:fillRef idx="1">
+            <a:schemeClr val="accent1"/>
+          </a:fillRef>
+          <a:effectRef idx="0">
+            <a:schemeClr val="accent1"/>
+          </a:effectRef>
+          <a:fontRef idx="minor">
+            <a:schemeClr val="lt1"/>
+          </a:fontRef>
+        </p:style>
+        <p:txBody>
+          <a:bodyPr rtlCol="0" anchor="ctr"/>
+          <a:lstStyle/>
+          <a:p>
+            <a:pPr algn="ctr"/>
+            <a:r>
+              <a:rPr lang="en-GB" sz="900" dirty="0" smtClean="0">
+                <a:solidFill>
+                  <a:schemeClr val="tx1"/>
+                </a:solidFill>
+                <a:latin typeface="Times New Roman" panose="02020603050405020304" pitchFamily="18" charset="0"/>
+                <a:cs typeface="Times New Roman" panose="02020603050405020304" pitchFamily="18" charset="0"/>
+              </a:rPr>
+              <a:t>1</a:t>
+            </a:r>
+            <a:endParaRPr lang="en-GB" dirty="0">
+              <a:solidFill>
+                <a:schemeClr val="tx1"/>
+              </a:solidFill>
+              <a:latin typeface="Times New Roman" panose="02020603050405020304" pitchFamily="18" charset="0"/>
+              <a:cs typeface="Times New Roman" panose="02020603050405020304" pitchFamily="18" charset="0"/>
+            </a:endParaRPr>
+          </a:p>
+        </p:txBody>
+      </p:sp>
+      <p:sp>
+        <p:nvSpPr>
+          <p:cNvPr id="154" name="Retângulo 153"/>
+          <p:cNvSpPr/>
+          <p:nvPr/>
+        </p:nvSpPr>
+        <p:spPr>
+          <a:xfrm>
+            <a:off x="5172648" y="3433241"/>
+            <a:ext cx="978891" cy="94778"/>
+          </a:xfrm>
+          <a:prstGeom prst="rect">
+            <a:avLst/>
+          </a:prstGeom>
+          <a:solidFill>
+            <a:schemeClr val="bg1">
+              <a:lumMod val="75000"/>
+            </a:schemeClr>
+          </a:solidFill>
+          <a:ln>
+            <a:noFill/>
+          </a:ln>
+        </p:spPr>
+        <p:style>
+          <a:lnRef idx="2">
+            <a:schemeClr val="accent1">
+              <a:shade val="50000"/>
+            </a:schemeClr>
+          </a:lnRef>
+          <a:fillRef idx="1">
+            <a:schemeClr val="accent1"/>
+          </a:fillRef>
+          <a:effectRef idx="0">
+            <a:schemeClr val="accent1"/>
+          </a:effectRef>
+          <a:fontRef idx="minor">
+            <a:schemeClr val="lt1"/>
+          </a:fontRef>
+        </p:style>
+        <p:txBody>
+          <a:bodyPr rtlCol="0" anchor="ctr"/>
+          <a:lstStyle/>
+          <a:p>
+            <a:pPr algn="ctr"/>
+            <a:r>
+              <a:rPr lang="en-GB" sz="900" dirty="0">
+                <a:solidFill>
+                  <a:schemeClr val="tx1"/>
+                </a:solidFill>
+                <a:latin typeface="Times New Roman" panose="02020603050405020304" pitchFamily="18" charset="0"/>
+                <a:cs typeface="Times New Roman" panose="02020603050405020304" pitchFamily="18" charset="0"/>
+              </a:rPr>
+              <a:t>4</a:t>
+            </a:r>
+            <a:endParaRPr lang="en-GB" dirty="0">
+              <a:solidFill>
+                <a:schemeClr val="tx1"/>
+              </a:solidFill>
+              <a:latin typeface="Times New Roman" panose="02020603050405020304" pitchFamily="18" charset="0"/>
+              <a:cs typeface="Times New Roman" panose="02020603050405020304" pitchFamily="18" charset="0"/>
+            </a:endParaRPr>
+          </a:p>
+        </p:txBody>
+      </p:sp>
+      <p:graphicFrame>
+        <p:nvGraphicFramePr>
+          <p:cNvPr id="97" name="Table 51"/>
+          <p:cNvGraphicFramePr>
+            <a:graphicFrameLocks/>
+          </p:cNvGraphicFramePr>
+          <p:nvPr>
+            <p:extLst>
+              <p:ext uri="{D42A27DB-BD31-4B8C-83A1-F6EECF244321}">
+                <p14:modId xmlns:p14="http://schemas.microsoft.com/office/powerpoint/2010/main" val="3525012312"/>
+              </p:ext>
+            </p:extLst>
+          </p:nvPr>
+        </p:nvGraphicFramePr>
+        <p:xfrm>
+          <a:off x="3514840" y="2195513"/>
+          <a:ext cx="653254" cy="311261"/>
+        </p:xfrm>
+        <a:graphic>
+          <a:graphicData uri="http://schemas.openxmlformats.org/drawingml/2006/table">
+            <a:tbl>
+              <a:tblPr/>
+              <a:tblGrid>
+                <a:gridCol w="653254"/>
+              </a:tblGrid>
+              <a:tr h="311261">
+                <a:tc>
+                  <a:txBody>
+                    <a:bodyPr/>
+                    <a:lstStyle/>
+                    <a:p>
+                      <a:pPr algn="ctr">
+                        <a:lnSpc>
+                          <a:spcPct val="100000"/>
+                        </a:lnSpc>
+                      </a:pPr>
+                      <a:r>
+                        <a:rPr lang="en-US" sz="1400" b="0" strike="noStrike" spc="-1" dirty="0" smtClean="0">
+                          <a:solidFill>
+                            <a:srgbClr val="000000"/>
+                          </a:solidFill>
+                          <a:latin typeface="Times New Roman"/>
+                        </a:rPr>
+                        <a:t>6</a:t>
+                      </a:r>
+                      <a:endParaRPr lang="en-US" sz="1100" b="0" strike="noStrike" spc="-1" dirty="0">
+                        <a:latin typeface="+mn-lt"/>
+                      </a:endParaRPr>
+                    </a:p>
+                  </a:txBody>
+                  <a:tcPr>
+                    <a:lnL w="12240">
+                      <a:solidFill>
+                        <a:srgbClr val="000000"/>
+                      </a:solidFill>
+                    </a:lnL>
+                    <a:lnR w="12240">
+                      <a:solidFill>
+                        <a:srgbClr val="000000"/>
+                      </a:solidFill>
+                    </a:lnR>
+                    <a:lnT w="12240">
+                      <a:solidFill>
+                        <a:srgbClr val="000000"/>
+                      </a:solidFill>
+                    </a:lnT>
+                    <a:lnB w="12240">
+                      <a:solidFill>
+                        <a:srgbClr val="000000"/>
+                      </a:solidFill>
+                    </a:lnB>
+                    <a:solidFill>
+                      <a:schemeClr val="accent5">
+                        <a:lumMod val="40000"/>
+                        <a:lumOff val="60000"/>
+                      </a:schemeClr>
+                    </a:solidFill>
+                  </a:tcPr>
+                </a:tc>
+              </a:tr>
+            </a:tbl>
+          </a:graphicData>
+        </a:graphic>
+      </p:graphicFrame>
+      <p:sp>
+        <p:nvSpPr>
+          <p:cNvPr id="4" name="Retângulo 3"/>
+          <p:cNvSpPr/>
+          <p:nvPr/>
+        </p:nvSpPr>
+        <p:spPr>
+          <a:xfrm>
+            <a:off x="6420441" y="3054795"/>
+            <a:ext cx="914400" cy="914400"/>
+          </a:xfrm>
+          <a:prstGeom prst="rect">
+            <a:avLst/>
+          </a:prstGeom>
+          <a:solidFill>
+            <a:schemeClr val="bg1"/>
+          </a:solidFill>
+          <a:ln>
+            <a:noFill/>
+          </a:ln>
+        </p:spPr>
+        <p:style>
+          <a:lnRef idx="2">
+            <a:schemeClr val="accent1">
+              <a:shade val="50000"/>
+            </a:schemeClr>
+          </a:lnRef>
+          <a:fillRef idx="1">
+            <a:schemeClr val="accent1"/>
+          </a:fillRef>
+          <a:effectRef idx="0">
+            <a:schemeClr val="accent1"/>
+          </a:effectRef>
+          <a:fontRef idx="minor">
+            <a:schemeClr val="lt1"/>
+          </a:fontRef>
+        </p:style>
+        <p:txBody>
+          <a:bodyPr rtlCol="0" anchor="ctr"/>
+          <a:lstStyle/>
+          <a:p>
+            <a:pPr algn="ctr"/>
+            <a:endParaRPr lang="en-GB"/>
           </a:p>
         </p:txBody>
       </p:sp>

--- a/Article Writing and Latex Files/Example Instance/Exemplo_Gantt (1).pptx
+++ b/Article Writing and Latex Files/Example Instance/Exemplo_Gantt (1).pptx
@@ -1857,7 +1857,7 @@
                 </a:solidFill>
                 <a:latin typeface="Calibri"/>
               </a:rPr>
-              <a:t>4/15/2020</a:t>
+              <a:t>4/17/2020</a:t>
             </a:fld>
             <a:endParaRPr lang="en-US" sz="1200" b="0" strike="noStrike" spc="-1">
               <a:latin typeface="Times New Roman"/>
@@ -15114,7 +15114,7 @@
           <p:nvPr>
             <p:extLst>
               <p:ext uri="{D42A27DB-BD31-4B8C-83A1-F6EECF244321}">
-                <p14:modId xmlns:p14="http://schemas.microsoft.com/office/powerpoint/2010/main" val="3525012312"/>
+                <p14:modId xmlns:p14="http://schemas.microsoft.com/office/powerpoint/2010/main" val="4143620592"/>
               </p:ext>
             </p:extLst>
           </p:nvPr>
@@ -15148,7 +15148,7 @@
                           </a:solidFill>
                           <a:latin typeface="Times New Roman"/>
                         </a:rPr>
-                        <a:t>6</a:t>
+                        <a:t>4</a:t>
                       </a:r>
                       <a:endParaRPr lang="en-US" sz="1100" b="0" strike="noStrike" spc="-1" dirty="0">
                         <a:latin typeface="+mn-lt"/>
